--- a/filed parts.pptx
+++ b/filed parts.pptx
@@ -253,7 +253,7 @@
           <a:p>
             <a:fld id="{0E085FA6-3BB9-47BA-8D81-299A75D1B58A}" type="datetimeFigureOut">
               <a:rPr kumimoji="1" lang="ja-JP" altLang="en-US" smtClean="0"/>
-              <a:t>2025/4/21</a:t>
+              <a:t>2025/6/17</a:t>
             </a:fld>
             <a:endParaRPr kumimoji="1" lang="ja-JP" altLang="en-US"/>
           </a:p>
@@ -455,7 +455,7 @@
           <a:p>
             <a:fld id="{0E085FA6-3BB9-47BA-8D81-299A75D1B58A}" type="datetimeFigureOut">
               <a:rPr kumimoji="1" lang="ja-JP" altLang="en-US" smtClean="0"/>
-              <a:t>2025/4/21</a:t>
+              <a:t>2025/6/17</a:t>
             </a:fld>
             <a:endParaRPr kumimoji="1" lang="ja-JP" altLang="en-US"/>
           </a:p>
@@ -667,7 +667,7 @@
           <a:p>
             <a:fld id="{0E085FA6-3BB9-47BA-8D81-299A75D1B58A}" type="datetimeFigureOut">
               <a:rPr kumimoji="1" lang="ja-JP" altLang="en-US" smtClean="0"/>
-              <a:t>2025/4/21</a:t>
+              <a:t>2025/6/17</a:t>
             </a:fld>
             <a:endParaRPr kumimoji="1" lang="ja-JP" altLang="en-US"/>
           </a:p>
@@ -869,7 +869,7 @@
           <a:p>
             <a:fld id="{0E085FA6-3BB9-47BA-8D81-299A75D1B58A}" type="datetimeFigureOut">
               <a:rPr kumimoji="1" lang="ja-JP" altLang="en-US" smtClean="0"/>
-              <a:t>2025/4/21</a:t>
+              <a:t>2025/6/17</a:t>
             </a:fld>
             <a:endParaRPr kumimoji="1" lang="ja-JP" altLang="en-US"/>
           </a:p>
@@ -1115,7 +1115,7 @@
           <a:p>
             <a:fld id="{0E085FA6-3BB9-47BA-8D81-299A75D1B58A}" type="datetimeFigureOut">
               <a:rPr kumimoji="1" lang="ja-JP" altLang="en-US" smtClean="0"/>
-              <a:t>2025/4/21</a:t>
+              <a:t>2025/6/17</a:t>
             </a:fld>
             <a:endParaRPr kumimoji="1" lang="ja-JP" altLang="en-US"/>
           </a:p>
@@ -1411,7 +1411,7 @@
           <a:p>
             <a:fld id="{0E085FA6-3BB9-47BA-8D81-299A75D1B58A}" type="datetimeFigureOut">
               <a:rPr kumimoji="1" lang="ja-JP" altLang="en-US" smtClean="0"/>
-              <a:t>2025/4/21</a:t>
+              <a:t>2025/6/17</a:t>
             </a:fld>
             <a:endParaRPr kumimoji="1" lang="ja-JP" altLang="en-US"/>
           </a:p>
@@ -1842,7 +1842,7 @@
           <a:p>
             <a:fld id="{0E085FA6-3BB9-47BA-8D81-299A75D1B58A}" type="datetimeFigureOut">
               <a:rPr kumimoji="1" lang="ja-JP" altLang="en-US" smtClean="0"/>
-              <a:t>2025/4/21</a:t>
+              <a:t>2025/6/17</a:t>
             </a:fld>
             <a:endParaRPr kumimoji="1" lang="ja-JP" altLang="en-US"/>
           </a:p>
@@ -1960,7 +1960,7 @@
           <a:p>
             <a:fld id="{0E085FA6-3BB9-47BA-8D81-299A75D1B58A}" type="datetimeFigureOut">
               <a:rPr kumimoji="1" lang="ja-JP" altLang="en-US" smtClean="0"/>
-              <a:t>2025/4/21</a:t>
+              <a:t>2025/6/17</a:t>
             </a:fld>
             <a:endParaRPr kumimoji="1" lang="ja-JP" altLang="en-US"/>
           </a:p>
@@ -2055,7 +2055,7 @@
           <a:p>
             <a:fld id="{0E085FA6-3BB9-47BA-8D81-299A75D1B58A}" type="datetimeFigureOut">
               <a:rPr kumimoji="1" lang="ja-JP" altLang="en-US" smtClean="0"/>
-              <a:t>2025/4/21</a:t>
+              <a:t>2025/6/17</a:t>
             </a:fld>
             <a:endParaRPr kumimoji="1" lang="ja-JP" altLang="en-US"/>
           </a:p>
@@ -2364,7 +2364,7 @@
           <a:p>
             <a:fld id="{0E085FA6-3BB9-47BA-8D81-299A75D1B58A}" type="datetimeFigureOut">
               <a:rPr kumimoji="1" lang="ja-JP" altLang="en-US" smtClean="0"/>
-              <a:t>2025/4/21</a:t>
+              <a:t>2025/6/17</a:t>
             </a:fld>
             <a:endParaRPr kumimoji="1" lang="ja-JP" altLang="en-US"/>
           </a:p>
@@ -2617,7 +2617,7 @@
           <a:p>
             <a:fld id="{0E085FA6-3BB9-47BA-8D81-299A75D1B58A}" type="datetimeFigureOut">
               <a:rPr kumimoji="1" lang="ja-JP" altLang="en-US" smtClean="0"/>
-              <a:t>2025/4/21</a:t>
+              <a:t>2025/6/17</a:t>
             </a:fld>
             <a:endParaRPr kumimoji="1" lang="ja-JP" altLang="en-US"/>
           </a:p>
@@ -2862,7 +2862,7 @@
           <a:p>
             <a:fld id="{0E085FA6-3BB9-47BA-8D81-299A75D1B58A}" type="datetimeFigureOut">
               <a:rPr kumimoji="1" lang="ja-JP" altLang="en-US" smtClean="0"/>
-              <a:t>2025/4/21</a:t>
+              <a:t>2025/6/17</a:t>
             </a:fld>
             <a:endParaRPr kumimoji="1" lang="ja-JP" altLang="en-US"/>
           </a:p>
@@ -3269,14 +3269,16 @@
       </p:grpSpPr>
       <p:sp>
         <p:nvSpPr>
-          <p:cNvPr id="82" name="正方形/長方形 81"/>
-          <p:cNvSpPr/>
+          <p:cNvPr id="21" name="正方形/長方形 20"/>
+          <p:cNvSpPr>
+            <a:spLocks noChangeAspect="1"/>
+          </p:cNvSpPr>
           <p:nvPr/>
         </p:nvSpPr>
         <p:spPr>
           <a:xfrm>
-            <a:off x="262987" y="1926670"/>
-            <a:ext cx="832630" cy="832630"/>
+            <a:off x="7469644" y="4083016"/>
+            <a:ext cx="2282400" cy="2282382"/>
           </a:xfrm>
           <a:prstGeom prst="rect">
             <a:avLst/>
@@ -3317,14 +3319,16 @@
       </p:sp>
       <p:sp>
         <p:nvSpPr>
-          <p:cNvPr id="83" name="正方形/長方形 82"/>
-          <p:cNvSpPr/>
+          <p:cNvPr id="22" name="正方形/長方形 21"/>
+          <p:cNvSpPr>
+            <a:spLocks noChangeAspect="1"/>
+          </p:cNvSpPr>
           <p:nvPr/>
         </p:nvSpPr>
         <p:spPr>
           <a:xfrm>
-            <a:off x="1711403" y="1926670"/>
-            <a:ext cx="832630" cy="832630"/>
+            <a:off x="4614342" y="4086263"/>
+            <a:ext cx="2282400" cy="2282382"/>
           </a:xfrm>
           <a:prstGeom prst="rect">
             <a:avLst/>
@@ -3365,14 +3369,16 @@
       </p:sp>
       <p:sp>
         <p:nvSpPr>
-          <p:cNvPr id="88" name="正方形/長方形 87"/>
-          <p:cNvSpPr/>
+          <p:cNvPr id="23" name="正方形/長方形 22"/>
+          <p:cNvSpPr>
+            <a:spLocks noChangeAspect="1"/>
+          </p:cNvSpPr>
           <p:nvPr/>
         </p:nvSpPr>
         <p:spPr>
           <a:xfrm>
-            <a:off x="3159822" y="1926670"/>
-            <a:ext cx="832630" cy="832630"/>
+            <a:off x="1720940" y="4086263"/>
+            <a:ext cx="2282400" cy="2282382"/>
           </a:xfrm>
           <a:prstGeom prst="rect">
             <a:avLst/>
@@ -3413,13 +3419,163 @@
       </p:sp>
       <p:sp>
         <p:nvSpPr>
+          <p:cNvPr id="82" name="正方形/長方形 81"/>
+          <p:cNvSpPr>
+            <a:spLocks noChangeAspect="1"/>
+          </p:cNvSpPr>
+          <p:nvPr/>
+        </p:nvSpPr>
+        <p:spPr>
+          <a:xfrm>
+            <a:off x="302240" y="1216587"/>
+            <a:ext cx="832630" cy="832630"/>
+          </a:xfrm>
+          <a:prstGeom prst="rect">
+            <a:avLst/>
+          </a:prstGeom>
+          <a:solidFill>
+            <a:schemeClr val="bg1"/>
+          </a:solidFill>
+          <a:ln>
+            <a:solidFill>
+              <a:schemeClr val="tx1"/>
+            </a:solidFill>
+          </a:ln>
+        </p:spPr>
+        <p:style>
+          <a:lnRef idx="2">
+            <a:schemeClr val="accent1">
+              <a:shade val="50000"/>
+            </a:schemeClr>
+          </a:lnRef>
+          <a:fillRef idx="1">
+            <a:schemeClr val="accent1"/>
+          </a:fillRef>
+          <a:effectRef idx="0">
+            <a:schemeClr val="accent1"/>
+          </a:effectRef>
+          <a:fontRef idx="minor">
+            <a:schemeClr val="lt1"/>
+          </a:fontRef>
+        </p:style>
+        <p:txBody>
+          <a:bodyPr rtlCol="0" anchor="ctr"/>
+          <a:lstStyle/>
+          <a:p>
+            <a:pPr algn="ctr"/>
+            <a:endParaRPr kumimoji="1" lang="ja-JP" altLang="en-US"/>
+          </a:p>
+        </p:txBody>
+      </p:sp>
+      <p:sp>
+        <p:nvSpPr>
+          <p:cNvPr id="83" name="正方形/長方形 82"/>
+          <p:cNvSpPr>
+            <a:spLocks noChangeAspect="1"/>
+          </p:cNvSpPr>
+          <p:nvPr/>
+        </p:nvSpPr>
+        <p:spPr>
+          <a:xfrm>
+            <a:off x="293895" y="2655539"/>
+            <a:ext cx="832630" cy="832630"/>
+          </a:xfrm>
+          <a:prstGeom prst="rect">
+            <a:avLst/>
+          </a:prstGeom>
+          <a:solidFill>
+            <a:schemeClr val="bg1"/>
+          </a:solidFill>
+          <a:ln>
+            <a:solidFill>
+              <a:schemeClr val="tx1"/>
+            </a:solidFill>
+          </a:ln>
+        </p:spPr>
+        <p:style>
+          <a:lnRef idx="2">
+            <a:schemeClr val="accent1">
+              <a:shade val="50000"/>
+            </a:schemeClr>
+          </a:lnRef>
+          <a:fillRef idx="1">
+            <a:schemeClr val="accent1"/>
+          </a:fillRef>
+          <a:effectRef idx="0">
+            <a:schemeClr val="accent1"/>
+          </a:effectRef>
+          <a:fontRef idx="minor">
+            <a:schemeClr val="lt1"/>
+          </a:fontRef>
+        </p:style>
+        <p:txBody>
+          <a:bodyPr rtlCol="0" anchor="ctr"/>
+          <a:lstStyle/>
+          <a:p>
+            <a:pPr algn="ctr"/>
+            <a:endParaRPr kumimoji="1" lang="ja-JP" altLang="en-US"/>
+          </a:p>
+        </p:txBody>
+      </p:sp>
+      <p:sp>
+        <p:nvSpPr>
+          <p:cNvPr id="88" name="正方形/長方形 87"/>
+          <p:cNvSpPr>
+            <a:spLocks noChangeAspect="1"/>
+          </p:cNvSpPr>
+          <p:nvPr/>
+        </p:nvSpPr>
+        <p:spPr>
+          <a:xfrm>
+            <a:off x="302240" y="4101848"/>
+            <a:ext cx="832630" cy="832630"/>
+          </a:xfrm>
+          <a:prstGeom prst="rect">
+            <a:avLst/>
+          </a:prstGeom>
+          <a:solidFill>
+            <a:schemeClr val="bg1"/>
+          </a:solidFill>
+          <a:ln>
+            <a:solidFill>
+              <a:schemeClr val="tx1"/>
+            </a:solidFill>
+          </a:ln>
+        </p:spPr>
+        <p:style>
+          <a:lnRef idx="2">
+            <a:schemeClr val="accent1">
+              <a:shade val="50000"/>
+            </a:schemeClr>
+          </a:lnRef>
+          <a:fillRef idx="1">
+            <a:schemeClr val="accent1"/>
+          </a:fillRef>
+          <a:effectRef idx="0">
+            <a:schemeClr val="accent1"/>
+          </a:effectRef>
+          <a:fontRef idx="minor">
+            <a:schemeClr val="lt1"/>
+          </a:fontRef>
+        </p:style>
+        <p:txBody>
+          <a:bodyPr rtlCol="0" anchor="ctr"/>
+          <a:lstStyle/>
+          <a:p>
+            <a:pPr algn="ctr"/>
+            <a:endParaRPr kumimoji="1" lang="ja-JP" altLang="en-US"/>
+          </a:p>
+        </p:txBody>
+      </p:sp>
+      <p:sp>
+        <p:nvSpPr>
           <p:cNvPr id="2" name="円/楕円 1"/>
           <p:cNvSpPr/>
           <p:nvPr/>
         </p:nvSpPr>
         <p:spPr>
           <a:xfrm>
-            <a:off x="325324" y="1992475"/>
+            <a:off x="364577" y="1282392"/>
             <a:ext cx="709251" cy="709251"/>
           </a:xfrm>
           <a:prstGeom prst="ellipse">
@@ -3465,7 +3621,7 @@
         </p:nvSpPr>
         <p:spPr>
           <a:xfrm>
-            <a:off x="1774652" y="1992475"/>
+            <a:off x="357144" y="2721344"/>
             <a:ext cx="709251" cy="709251"/>
           </a:xfrm>
           <a:prstGeom prst="ellipse">
@@ -3519,7 +3675,7 @@
         </p:blipFill>
         <p:spPr>
           <a:xfrm>
-            <a:off x="3191569" y="1961885"/>
+            <a:off x="333987" y="4137063"/>
             <a:ext cx="768163" cy="762066"/>
           </a:xfrm>
           <a:prstGeom prst="rtTriangle">
@@ -3543,10 +3699,179 @@
         </p:blipFill>
         <p:spPr>
           <a:xfrm flipH="1" flipV="1">
-            <a:off x="3194491" y="1965060"/>
+            <a:off x="336909" y="4140238"/>
             <a:ext cx="762066" cy="762066"/>
           </a:xfrm>
           <a:prstGeom prst="rtTriangle">
+            <a:avLst/>
+          </a:prstGeom>
+        </p:spPr>
+      </p:pic>
+      <p:pic>
+        <p:nvPicPr>
+          <p:cNvPr id="13" name="図 12"/>
+          <p:cNvPicPr>
+            <a:picLocks noChangeAspect="1"/>
+          </p:cNvPicPr>
+          <p:nvPr/>
+        </p:nvPicPr>
+        <p:blipFill rotWithShape="1">
+          <a:blip r:embed="rId4"/>
+          <a:srcRect t="2220"/>
+          <a:stretch/>
+        </p:blipFill>
+        <p:spPr>
+          <a:xfrm>
+            <a:off x="2086980" y="4088644"/>
+            <a:ext cx="1538509" cy="2209533"/>
+          </a:xfrm>
+          <a:prstGeom prst="rect">
+            <a:avLst/>
+          </a:prstGeom>
+        </p:spPr>
+      </p:pic>
+      <p:pic>
+        <p:nvPicPr>
+          <p:cNvPr id="14" name="図 13"/>
+          <p:cNvPicPr>
+            <a:picLocks noChangeAspect="1"/>
+          </p:cNvPicPr>
+          <p:nvPr/>
+        </p:nvPicPr>
+        <p:blipFill>
+          <a:blip r:embed="rId5"/>
+          <a:stretch>
+            <a:fillRect/>
+          </a:stretch>
+        </p:blipFill>
+        <p:spPr>
+          <a:xfrm>
+            <a:off x="2531118" y="5770159"/>
+            <a:ext cx="576940" cy="588961"/>
+          </a:xfrm>
+          <a:prstGeom prst="rect">
+            <a:avLst/>
+          </a:prstGeom>
+        </p:spPr>
+      </p:pic>
+      <p:pic>
+        <p:nvPicPr>
+          <p:cNvPr id="17" name="図 16"/>
+          <p:cNvPicPr>
+            <a:picLocks noChangeAspect="1"/>
+          </p:cNvPicPr>
+          <p:nvPr/>
+        </p:nvPicPr>
+        <p:blipFill>
+          <a:blip r:embed="rId6"/>
+          <a:stretch>
+            <a:fillRect/>
+          </a:stretch>
+        </p:blipFill>
+        <p:spPr>
+          <a:xfrm>
+            <a:off x="4643833" y="4271896"/>
+            <a:ext cx="2211606" cy="1911116"/>
+          </a:xfrm>
+          <a:prstGeom prst="rect">
+            <a:avLst/>
+          </a:prstGeom>
+        </p:spPr>
+      </p:pic>
+      <p:pic>
+        <p:nvPicPr>
+          <p:cNvPr id="19" name="図 18"/>
+          <p:cNvPicPr>
+            <a:picLocks noChangeAspect="1"/>
+          </p:cNvPicPr>
+          <p:nvPr/>
+        </p:nvPicPr>
+        <p:blipFill>
+          <a:blip r:embed="rId7"/>
+          <a:stretch>
+            <a:fillRect/>
+          </a:stretch>
+        </p:blipFill>
+        <p:spPr>
+          <a:xfrm>
+            <a:off x="7709478" y="4527071"/>
+            <a:ext cx="1790920" cy="1394273"/>
+          </a:xfrm>
+          <a:prstGeom prst="rect">
+            <a:avLst/>
+          </a:prstGeom>
+        </p:spPr>
+      </p:pic>
+      <p:sp>
+        <p:nvSpPr>
+          <p:cNvPr id="25" name="正方形/長方形 24"/>
+          <p:cNvSpPr>
+            <a:spLocks noChangeAspect="1"/>
+          </p:cNvSpPr>
+          <p:nvPr/>
+        </p:nvSpPr>
+        <p:spPr>
+          <a:xfrm>
+            <a:off x="1908981" y="357407"/>
+            <a:ext cx="3365284" cy="3363935"/>
+          </a:xfrm>
+          <a:prstGeom prst="rect">
+            <a:avLst/>
+          </a:prstGeom>
+          <a:solidFill>
+            <a:schemeClr val="bg1"/>
+          </a:solidFill>
+          <a:ln>
+            <a:solidFill>
+              <a:schemeClr val="tx1"/>
+            </a:solidFill>
+          </a:ln>
+        </p:spPr>
+        <p:style>
+          <a:lnRef idx="2">
+            <a:schemeClr val="accent1">
+              <a:shade val="50000"/>
+            </a:schemeClr>
+          </a:lnRef>
+          <a:fillRef idx="1">
+            <a:schemeClr val="accent1"/>
+          </a:fillRef>
+          <a:effectRef idx="0">
+            <a:schemeClr val="accent1"/>
+          </a:effectRef>
+          <a:fontRef idx="minor">
+            <a:schemeClr val="lt1"/>
+          </a:fontRef>
+        </p:style>
+        <p:txBody>
+          <a:bodyPr rtlCol="0" anchor="ctr"/>
+          <a:lstStyle/>
+          <a:p>
+            <a:pPr algn="ctr"/>
+            <a:endParaRPr kumimoji="1" lang="ja-JP" altLang="en-US"/>
+          </a:p>
+        </p:txBody>
+      </p:sp>
+      <p:pic>
+        <p:nvPicPr>
+          <p:cNvPr id="26" name="図 25"/>
+          <p:cNvPicPr>
+            <a:picLocks noChangeAspect="1"/>
+          </p:cNvPicPr>
+          <p:nvPr/>
+        </p:nvPicPr>
+        <p:blipFill>
+          <a:blip r:embed="rId8"/>
+          <a:stretch>
+            <a:fillRect/>
+          </a:stretch>
+        </p:blipFill>
+        <p:spPr>
+          <a:xfrm>
+            <a:off x="2017744" y="370107"/>
+            <a:ext cx="3181515" cy="3332819"/>
+          </a:xfrm>
+          <a:prstGeom prst="rect">
             <a:avLst/>
           </a:prstGeom>
         </p:spPr>

--- a/filed parts.pptx
+++ b/filed parts.pptx
@@ -253,7 +253,7 @@
           <a:p>
             <a:fld id="{0E085FA6-3BB9-47BA-8D81-299A75D1B58A}" type="datetimeFigureOut">
               <a:rPr kumimoji="1" lang="ja-JP" altLang="en-US" smtClean="0"/>
-              <a:t>2025/6/17</a:t>
+              <a:t>2025/7/15</a:t>
             </a:fld>
             <a:endParaRPr kumimoji="1" lang="ja-JP" altLang="en-US"/>
           </a:p>
@@ -455,7 +455,7 @@
           <a:p>
             <a:fld id="{0E085FA6-3BB9-47BA-8D81-299A75D1B58A}" type="datetimeFigureOut">
               <a:rPr kumimoji="1" lang="ja-JP" altLang="en-US" smtClean="0"/>
-              <a:t>2025/6/17</a:t>
+              <a:t>2025/7/15</a:t>
             </a:fld>
             <a:endParaRPr kumimoji="1" lang="ja-JP" altLang="en-US"/>
           </a:p>
@@ -667,7 +667,7 @@
           <a:p>
             <a:fld id="{0E085FA6-3BB9-47BA-8D81-299A75D1B58A}" type="datetimeFigureOut">
               <a:rPr kumimoji="1" lang="ja-JP" altLang="en-US" smtClean="0"/>
-              <a:t>2025/6/17</a:t>
+              <a:t>2025/7/15</a:t>
             </a:fld>
             <a:endParaRPr kumimoji="1" lang="ja-JP" altLang="en-US"/>
           </a:p>
@@ -869,7 +869,7 @@
           <a:p>
             <a:fld id="{0E085FA6-3BB9-47BA-8D81-299A75D1B58A}" type="datetimeFigureOut">
               <a:rPr kumimoji="1" lang="ja-JP" altLang="en-US" smtClean="0"/>
-              <a:t>2025/6/17</a:t>
+              <a:t>2025/7/15</a:t>
             </a:fld>
             <a:endParaRPr kumimoji="1" lang="ja-JP" altLang="en-US"/>
           </a:p>
@@ -1115,7 +1115,7 @@
           <a:p>
             <a:fld id="{0E085FA6-3BB9-47BA-8D81-299A75D1B58A}" type="datetimeFigureOut">
               <a:rPr kumimoji="1" lang="ja-JP" altLang="en-US" smtClean="0"/>
-              <a:t>2025/6/17</a:t>
+              <a:t>2025/7/15</a:t>
             </a:fld>
             <a:endParaRPr kumimoji="1" lang="ja-JP" altLang="en-US"/>
           </a:p>
@@ -1411,7 +1411,7 @@
           <a:p>
             <a:fld id="{0E085FA6-3BB9-47BA-8D81-299A75D1B58A}" type="datetimeFigureOut">
               <a:rPr kumimoji="1" lang="ja-JP" altLang="en-US" smtClean="0"/>
-              <a:t>2025/6/17</a:t>
+              <a:t>2025/7/15</a:t>
             </a:fld>
             <a:endParaRPr kumimoji="1" lang="ja-JP" altLang="en-US"/>
           </a:p>
@@ -1842,7 +1842,7 @@
           <a:p>
             <a:fld id="{0E085FA6-3BB9-47BA-8D81-299A75D1B58A}" type="datetimeFigureOut">
               <a:rPr kumimoji="1" lang="ja-JP" altLang="en-US" smtClean="0"/>
-              <a:t>2025/6/17</a:t>
+              <a:t>2025/7/15</a:t>
             </a:fld>
             <a:endParaRPr kumimoji="1" lang="ja-JP" altLang="en-US"/>
           </a:p>
@@ -1960,7 +1960,7 @@
           <a:p>
             <a:fld id="{0E085FA6-3BB9-47BA-8D81-299A75D1B58A}" type="datetimeFigureOut">
               <a:rPr kumimoji="1" lang="ja-JP" altLang="en-US" smtClean="0"/>
-              <a:t>2025/6/17</a:t>
+              <a:t>2025/7/15</a:t>
             </a:fld>
             <a:endParaRPr kumimoji="1" lang="ja-JP" altLang="en-US"/>
           </a:p>
@@ -2055,7 +2055,7 @@
           <a:p>
             <a:fld id="{0E085FA6-3BB9-47BA-8D81-299A75D1B58A}" type="datetimeFigureOut">
               <a:rPr kumimoji="1" lang="ja-JP" altLang="en-US" smtClean="0"/>
-              <a:t>2025/6/17</a:t>
+              <a:t>2025/7/15</a:t>
             </a:fld>
             <a:endParaRPr kumimoji="1" lang="ja-JP" altLang="en-US"/>
           </a:p>
@@ -2364,7 +2364,7 @@
           <a:p>
             <a:fld id="{0E085FA6-3BB9-47BA-8D81-299A75D1B58A}" type="datetimeFigureOut">
               <a:rPr kumimoji="1" lang="ja-JP" altLang="en-US" smtClean="0"/>
-              <a:t>2025/6/17</a:t>
+              <a:t>2025/7/15</a:t>
             </a:fld>
             <a:endParaRPr kumimoji="1" lang="ja-JP" altLang="en-US"/>
           </a:p>
@@ -2617,7 +2617,7 @@
           <a:p>
             <a:fld id="{0E085FA6-3BB9-47BA-8D81-299A75D1B58A}" type="datetimeFigureOut">
               <a:rPr kumimoji="1" lang="ja-JP" altLang="en-US" smtClean="0"/>
-              <a:t>2025/6/17</a:t>
+              <a:t>2025/7/15</a:t>
             </a:fld>
             <a:endParaRPr kumimoji="1" lang="ja-JP" altLang="en-US"/>
           </a:p>
@@ -2862,7 +2862,7 @@
           <a:p>
             <a:fld id="{0E085FA6-3BB9-47BA-8D81-299A75D1B58A}" type="datetimeFigureOut">
               <a:rPr kumimoji="1" lang="ja-JP" altLang="en-US" smtClean="0"/>
-              <a:t>2025/6/17</a:t>
+              <a:t>2025/7/15</a:t>
             </a:fld>
             <a:endParaRPr kumimoji="1" lang="ja-JP" altLang="en-US"/>
           </a:p>
@@ -3269,16 +3269,14 @@
       </p:grpSpPr>
       <p:sp>
         <p:nvSpPr>
-          <p:cNvPr id="21" name="正方形/長方形 20"/>
-          <p:cNvSpPr>
-            <a:spLocks noChangeAspect="1"/>
-          </p:cNvSpPr>
+          <p:cNvPr id="28" name="正方形/長方形 27"/>
+          <p:cNvSpPr/>
           <p:nvPr/>
         </p:nvSpPr>
         <p:spPr>
           <a:xfrm>
-            <a:off x="7469644" y="4083016"/>
-            <a:ext cx="2282400" cy="2282382"/>
+            <a:off x="1783793" y="3822876"/>
+            <a:ext cx="2152505" cy="2152505"/>
           </a:xfrm>
           <a:prstGeom prst="rect">
             <a:avLst/>
@@ -3317,351 +3315,9 @@
           </a:p>
         </p:txBody>
       </p:sp>
-      <p:sp>
-        <p:nvSpPr>
-          <p:cNvPr id="22" name="正方形/長方形 21"/>
-          <p:cNvSpPr>
-            <a:spLocks noChangeAspect="1"/>
-          </p:cNvSpPr>
-          <p:nvPr/>
-        </p:nvSpPr>
-        <p:spPr>
-          <a:xfrm>
-            <a:off x="4614342" y="4086263"/>
-            <a:ext cx="2282400" cy="2282382"/>
-          </a:xfrm>
-          <a:prstGeom prst="rect">
-            <a:avLst/>
-          </a:prstGeom>
-          <a:solidFill>
-            <a:schemeClr val="bg1"/>
-          </a:solidFill>
-          <a:ln>
-            <a:solidFill>
-              <a:schemeClr val="tx1"/>
-            </a:solidFill>
-          </a:ln>
-        </p:spPr>
-        <p:style>
-          <a:lnRef idx="2">
-            <a:schemeClr val="accent1">
-              <a:shade val="50000"/>
-            </a:schemeClr>
-          </a:lnRef>
-          <a:fillRef idx="1">
-            <a:schemeClr val="accent1"/>
-          </a:fillRef>
-          <a:effectRef idx="0">
-            <a:schemeClr val="accent1"/>
-          </a:effectRef>
-          <a:fontRef idx="minor">
-            <a:schemeClr val="lt1"/>
-          </a:fontRef>
-        </p:style>
-        <p:txBody>
-          <a:bodyPr rtlCol="0" anchor="ctr"/>
-          <a:lstStyle/>
-          <a:p>
-            <a:pPr algn="ctr"/>
-            <a:endParaRPr kumimoji="1" lang="ja-JP" altLang="en-US"/>
-          </a:p>
-        </p:txBody>
-      </p:sp>
-      <p:sp>
-        <p:nvSpPr>
-          <p:cNvPr id="23" name="正方形/長方形 22"/>
-          <p:cNvSpPr>
-            <a:spLocks noChangeAspect="1"/>
-          </p:cNvSpPr>
-          <p:nvPr/>
-        </p:nvSpPr>
-        <p:spPr>
-          <a:xfrm>
-            <a:off x="1720940" y="4086263"/>
-            <a:ext cx="2282400" cy="2282382"/>
-          </a:xfrm>
-          <a:prstGeom prst="rect">
-            <a:avLst/>
-          </a:prstGeom>
-          <a:solidFill>
-            <a:schemeClr val="bg1"/>
-          </a:solidFill>
-          <a:ln>
-            <a:solidFill>
-              <a:schemeClr val="tx1"/>
-            </a:solidFill>
-          </a:ln>
-        </p:spPr>
-        <p:style>
-          <a:lnRef idx="2">
-            <a:schemeClr val="accent1">
-              <a:shade val="50000"/>
-            </a:schemeClr>
-          </a:lnRef>
-          <a:fillRef idx="1">
-            <a:schemeClr val="accent1"/>
-          </a:fillRef>
-          <a:effectRef idx="0">
-            <a:schemeClr val="accent1"/>
-          </a:effectRef>
-          <a:fontRef idx="minor">
-            <a:schemeClr val="lt1"/>
-          </a:fontRef>
-        </p:style>
-        <p:txBody>
-          <a:bodyPr rtlCol="0" anchor="ctr"/>
-          <a:lstStyle/>
-          <a:p>
-            <a:pPr algn="ctr"/>
-            <a:endParaRPr kumimoji="1" lang="ja-JP" altLang="en-US"/>
-          </a:p>
-        </p:txBody>
-      </p:sp>
-      <p:sp>
-        <p:nvSpPr>
-          <p:cNvPr id="82" name="正方形/長方形 81"/>
-          <p:cNvSpPr>
-            <a:spLocks noChangeAspect="1"/>
-          </p:cNvSpPr>
-          <p:nvPr/>
-        </p:nvSpPr>
-        <p:spPr>
-          <a:xfrm>
-            <a:off x="302240" y="1216587"/>
-            <a:ext cx="832630" cy="832630"/>
-          </a:xfrm>
-          <a:prstGeom prst="rect">
-            <a:avLst/>
-          </a:prstGeom>
-          <a:solidFill>
-            <a:schemeClr val="bg1"/>
-          </a:solidFill>
-          <a:ln>
-            <a:solidFill>
-              <a:schemeClr val="tx1"/>
-            </a:solidFill>
-          </a:ln>
-        </p:spPr>
-        <p:style>
-          <a:lnRef idx="2">
-            <a:schemeClr val="accent1">
-              <a:shade val="50000"/>
-            </a:schemeClr>
-          </a:lnRef>
-          <a:fillRef idx="1">
-            <a:schemeClr val="accent1"/>
-          </a:fillRef>
-          <a:effectRef idx="0">
-            <a:schemeClr val="accent1"/>
-          </a:effectRef>
-          <a:fontRef idx="minor">
-            <a:schemeClr val="lt1"/>
-          </a:fontRef>
-        </p:style>
-        <p:txBody>
-          <a:bodyPr rtlCol="0" anchor="ctr"/>
-          <a:lstStyle/>
-          <a:p>
-            <a:pPr algn="ctr"/>
-            <a:endParaRPr kumimoji="1" lang="ja-JP" altLang="en-US"/>
-          </a:p>
-        </p:txBody>
-      </p:sp>
-      <p:sp>
-        <p:nvSpPr>
-          <p:cNvPr id="83" name="正方形/長方形 82"/>
-          <p:cNvSpPr>
-            <a:spLocks noChangeAspect="1"/>
-          </p:cNvSpPr>
-          <p:nvPr/>
-        </p:nvSpPr>
-        <p:spPr>
-          <a:xfrm>
-            <a:off x="293895" y="2655539"/>
-            <a:ext cx="832630" cy="832630"/>
-          </a:xfrm>
-          <a:prstGeom prst="rect">
-            <a:avLst/>
-          </a:prstGeom>
-          <a:solidFill>
-            <a:schemeClr val="bg1"/>
-          </a:solidFill>
-          <a:ln>
-            <a:solidFill>
-              <a:schemeClr val="tx1"/>
-            </a:solidFill>
-          </a:ln>
-        </p:spPr>
-        <p:style>
-          <a:lnRef idx="2">
-            <a:schemeClr val="accent1">
-              <a:shade val="50000"/>
-            </a:schemeClr>
-          </a:lnRef>
-          <a:fillRef idx="1">
-            <a:schemeClr val="accent1"/>
-          </a:fillRef>
-          <a:effectRef idx="0">
-            <a:schemeClr val="accent1"/>
-          </a:effectRef>
-          <a:fontRef idx="minor">
-            <a:schemeClr val="lt1"/>
-          </a:fontRef>
-        </p:style>
-        <p:txBody>
-          <a:bodyPr rtlCol="0" anchor="ctr"/>
-          <a:lstStyle/>
-          <a:p>
-            <a:pPr algn="ctr"/>
-            <a:endParaRPr kumimoji="1" lang="ja-JP" altLang="en-US"/>
-          </a:p>
-        </p:txBody>
-      </p:sp>
-      <p:sp>
-        <p:nvSpPr>
-          <p:cNvPr id="88" name="正方形/長方形 87"/>
-          <p:cNvSpPr>
-            <a:spLocks noChangeAspect="1"/>
-          </p:cNvSpPr>
-          <p:nvPr/>
-        </p:nvSpPr>
-        <p:spPr>
-          <a:xfrm>
-            <a:off x="302240" y="4101848"/>
-            <a:ext cx="832630" cy="832630"/>
-          </a:xfrm>
-          <a:prstGeom prst="rect">
-            <a:avLst/>
-          </a:prstGeom>
-          <a:solidFill>
-            <a:schemeClr val="bg1"/>
-          </a:solidFill>
-          <a:ln>
-            <a:solidFill>
-              <a:schemeClr val="tx1"/>
-            </a:solidFill>
-          </a:ln>
-        </p:spPr>
-        <p:style>
-          <a:lnRef idx="2">
-            <a:schemeClr val="accent1">
-              <a:shade val="50000"/>
-            </a:schemeClr>
-          </a:lnRef>
-          <a:fillRef idx="1">
-            <a:schemeClr val="accent1"/>
-          </a:fillRef>
-          <a:effectRef idx="0">
-            <a:schemeClr val="accent1"/>
-          </a:effectRef>
-          <a:fontRef idx="minor">
-            <a:schemeClr val="lt1"/>
-          </a:fontRef>
-        </p:style>
-        <p:txBody>
-          <a:bodyPr rtlCol="0" anchor="ctr"/>
-          <a:lstStyle/>
-          <a:p>
-            <a:pPr algn="ctr"/>
-            <a:endParaRPr kumimoji="1" lang="ja-JP" altLang="en-US"/>
-          </a:p>
-        </p:txBody>
-      </p:sp>
-      <p:sp>
-        <p:nvSpPr>
-          <p:cNvPr id="2" name="円/楕円 1"/>
-          <p:cNvSpPr/>
-          <p:nvPr/>
-        </p:nvSpPr>
-        <p:spPr>
-          <a:xfrm>
-            <a:off x="364577" y="1282392"/>
-            <a:ext cx="709251" cy="709251"/>
-          </a:xfrm>
-          <a:prstGeom prst="ellipse">
-            <a:avLst/>
-          </a:prstGeom>
-          <a:noFill/>
-          <a:ln w="57150">
-            <a:solidFill>
-              <a:srgbClr val="FF0000"/>
-            </a:solidFill>
-          </a:ln>
-        </p:spPr>
-        <p:style>
-          <a:lnRef idx="2">
-            <a:schemeClr val="accent1">
-              <a:shade val="50000"/>
-            </a:schemeClr>
-          </a:lnRef>
-          <a:fillRef idx="1">
-            <a:schemeClr val="accent1"/>
-          </a:fillRef>
-          <a:effectRef idx="0">
-            <a:schemeClr val="accent1"/>
-          </a:effectRef>
-          <a:fontRef idx="minor">
-            <a:schemeClr val="lt1"/>
-          </a:fontRef>
-        </p:style>
-        <p:txBody>
-          <a:bodyPr rtlCol="0" anchor="ctr"/>
-          <a:lstStyle/>
-          <a:p>
-            <a:pPr algn="ctr"/>
-            <a:endParaRPr kumimoji="1" lang="ja-JP" altLang="en-US"/>
-          </a:p>
-        </p:txBody>
-      </p:sp>
-      <p:sp>
-        <p:nvSpPr>
-          <p:cNvPr id="18" name="円/楕円 17"/>
-          <p:cNvSpPr/>
-          <p:nvPr/>
-        </p:nvSpPr>
-        <p:spPr>
-          <a:xfrm>
-            <a:off x="357144" y="2721344"/>
-            <a:ext cx="709251" cy="709251"/>
-          </a:xfrm>
-          <a:prstGeom prst="ellipse">
-            <a:avLst/>
-          </a:prstGeom>
-          <a:noFill/>
-          <a:ln w="57150">
-            <a:solidFill>
-              <a:schemeClr val="accent1"/>
-            </a:solidFill>
-          </a:ln>
-        </p:spPr>
-        <p:style>
-          <a:lnRef idx="2">
-            <a:schemeClr val="accent1">
-              <a:shade val="50000"/>
-            </a:schemeClr>
-          </a:lnRef>
-          <a:fillRef idx="1">
-            <a:schemeClr val="accent1"/>
-          </a:fillRef>
-          <a:effectRef idx="0">
-            <a:schemeClr val="accent1"/>
-          </a:effectRef>
-          <a:fontRef idx="minor">
-            <a:schemeClr val="lt1"/>
-          </a:fontRef>
-        </p:style>
-        <p:txBody>
-          <a:bodyPr rtlCol="0" anchor="ctr"/>
-          <a:lstStyle/>
-          <a:p>
-            <a:pPr algn="ctr"/>
-            <a:endParaRPr kumimoji="1" lang="ja-JP" altLang="en-US"/>
-          </a:p>
-        </p:txBody>
-      </p:sp>
       <p:pic>
         <p:nvPicPr>
-          <p:cNvPr id="4" name="図 3"/>
+          <p:cNvPr id="3" name="図 2"/>
           <p:cNvPicPr>
             <a:picLocks noChangeAspect="1"/>
           </p:cNvPicPr>
@@ -3675,6 +3331,275 @@
         </p:blipFill>
         <p:spPr>
           <a:xfrm>
+            <a:off x="2211939" y="3839903"/>
+            <a:ext cx="1266319" cy="2023200"/>
+          </a:xfrm>
+          <a:prstGeom prst="rect">
+            <a:avLst/>
+          </a:prstGeom>
+          <a:ln>
+            <a:noFill/>
+          </a:ln>
+        </p:spPr>
+      </p:pic>
+      <p:sp>
+        <p:nvSpPr>
+          <p:cNvPr id="82" name="正方形/長方形 81"/>
+          <p:cNvSpPr>
+            <a:spLocks noChangeAspect="1"/>
+          </p:cNvSpPr>
+          <p:nvPr/>
+        </p:nvSpPr>
+        <p:spPr>
+          <a:xfrm>
+            <a:off x="302240" y="1216587"/>
+            <a:ext cx="832630" cy="832630"/>
+          </a:xfrm>
+          <a:prstGeom prst="rect">
+            <a:avLst/>
+          </a:prstGeom>
+          <a:solidFill>
+            <a:schemeClr val="bg1"/>
+          </a:solidFill>
+          <a:ln>
+            <a:solidFill>
+              <a:schemeClr val="tx1"/>
+            </a:solidFill>
+          </a:ln>
+        </p:spPr>
+        <p:style>
+          <a:lnRef idx="2">
+            <a:schemeClr val="accent1">
+              <a:shade val="50000"/>
+            </a:schemeClr>
+          </a:lnRef>
+          <a:fillRef idx="1">
+            <a:schemeClr val="accent1"/>
+          </a:fillRef>
+          <a:effectRef idx="0">
+            <a:schemeClr val="accent1"/>
+          </a:effectRef>
+          <a:fontRef idx="minor">
+            <a:schemeClr val="lt1"/>
+          </a:fontRef>
+        </p:style>
+        <p:txBody>
+          <a:bodyPr rtlCol="0" anchor="ctr"/>
+          <a:lstStyle/>
+          <a:p>
+            <a:pPr algn="ctr"/>
+            <a:endParaRPr kumimoji="1" lang="ja-JP" altLang="en-US"/>
+          </a:p>
+        </p:txBody>
+      </p:sp>
+      <p:sp>
+        <p:nvSpPr>
+          <p:cNvPr id="83" name="正方形/長方形 82"/>
+          <p:cNvSpPr>
+            <a:spLocks noChangeAspect="1"/>
+          </p:cNvSpPr>
+          <p:nvPr/>
+        </p:nvSpPr>
+        <p:spPr>
+          <a:xfrm>
+            <a:off x="293895" y="2655539"/>
+            <a:ext cx="832630" cy="832630"/>
+          </a:xfrm>
+          <a:prstGeom prst="rect">
+            <a:avLst/>
+          </a:prstGeom>
+          <a:solidFill>
+            <a:schemeClr val="bg1"/>
+          </a:solidFill>
+          <a:ln>
+            <a:solidFill>
+              <a:schemeClr val="tx1"/>
+            </a:solidFill>
+          </a:ln>
+        </p:spPr>
+        <p:style>
+          <a:lnRef idx="2">
+            <a:schemeClr val="accent1">
+              <a:shade val="50000"/>
+            </a:schemeClr>
+          </a:lnRef>
+          <a:fillRef idx="1">
+            <a:schemeClr val="accent1"/>
+          </a:fillRef>
+          <a:effectRef idx="0">
+            <a:schemeClr val="accent1"/>
+          </a:effectRef>
+          <a:fontRef idx="minor">
+            <a:schemeClr val="lt1"/>
+          </a:fontRef>
+        </p:style>
+        <p:txBody>
+          <a:bodyPr rtlCol="0" anchor="ctr"/>
+          <a:lstStyle/>
+          <a:p>
+            <a:pPr algn="ctr"/>
+            <a:endParaRPr kumimoji="1" lang="ja-JP" altLang="en-US"/>
+          </a:p>
+        </p:txBody>
+      </p:sp>
+      <p:sp>
+        <p:nvSpPr>
+          <p:cNvPr id="88" name="正方形/長方形 87"/>
+          <p:cNvSpPr>
+            <a:spLocks noChangeAspect="1"/>
+          </p:cNvSpPr>
+          <p:nvPr/>
+        </p:nvSpPr>
+        <p:spPr>
+          <a:xfrm>
+            <a:off x="302240" y="4101848"/>
+            <a:ext cx="832630" cy="832630"/>
+          </a:xfrm>
+          <a:prstGeom prst="rect">
+            <a:avLst/>
+          </a:prstGeom>
+          <a:solidFill>
+            <a:schemeClr val="bg1"/>
+          </a:solidFill>
+          <a:ln>
+            <a:solidFill>
+              <a:schemeClr val="tx1"/>
+            </a:solidFill>
+          </a:ln>
+        </p:spPr>
+        <p:style>
+          <a:lnRef idx="2">
+            <a:schemeClr val="accent1">
+              <a:shade val="50000"/>
+            </a:schemeClr>
+          </a:lnRef>
+          <a:fillRef idx="1">
+            <a:schemeClr val="accent1"/>
+          </a:fillRef>
+          <a:effectRef idx="0">
+            <a:schemeClr val="accent1"/>
+          </a:effectRef>
+          <a:fontRef idx="minor">
+            <a:schemeClr val="lt1"/>
+          </a:fontRef>
+        </p:style>
+        <p:txBody>
+          <a:bodyPr rtlCol="0" anchor="ctr"/>
+          <a:lstStyle/>
+          <a:p>
+            <a:pPr algn="ctr"/>
+            <a:endParaRPr kumimoji="1" lang="ja-JP" altLang="en-US"/>
+          </a:p>
+        </p:txBody>
+      </p:sp>
+      <p:sp>
+        <p:nvSpPr>
+          <p:cNvPr id="2" name="円/楕円 1"/>
+          <p:cNvSpPr/>
+          <p:nvPr/>
+        </p:nvSpPr>
+        <p:spPr>
+          <a:xfrm>
+            <a:off x="364577" y="1282392"/>
+            <a:ext cx="709251" cy="709251"/>
+          </a:xfrm>
+          <a:prstGeom prst="ellipse">
+            <a:avLst/>
+          </a:prstGeom>
+          <a:noFill/>
+          <a:ln w="57150">
+            <a:solidFill>
+              <a:srgbClr val="FF0000"/>
+            </a:solidFill>
+          </a:ln>
+        </p:spPr>
+        <p:style>
+          <a:lnRef idx="2">
+            <a:schemeClr val="accent1">
+              <a:shade val="50000"/>
+            </a:schemeClr>
+          </a:lnRef>
+          <a:fillRef idx="1">
+            <a:schemeClr val="accent1"/>
+          </a:fillRef>
+          <a:effectRef idx="0">
+            <a:schemeClr val="accent1"/>
+          </a:effectRef>
+          <a:fontRef idx="minor">
+            <a:schemeClr val="lt1"/>
+          </a:fontRef>
+        </p:style>
+        <p:txBody>
+          <a:bodyPr rtlCol="0" anchor="ctr"/>
+          <a:lstStyle/>
+          <a:p>
+            <a:pPr algn="ctr"/>
+            <a:endParaRPr kumimoji="1" lang="ja-JP" altLang="en-US"/>
+          </a:p>
+        </p:txBody>
+      </p:sp>
+      <p:sp>
+        <p:nvSpPr>
+          <p:cNvPr id="18" name="円/楕円 17"/>
+          <p:cNvSpPr/>
+          <p:nvPr/>
+        </p:nvSpPr>
+        <p:spPr>
+          <a:xfrm>
+            <a:off x="357144" y="2721344"/>
+            <a:ext cx="709251" cy="709251"/>
+          </a:xfrm>
+          <a:prstGeom prst="ellipse">
+            <a:avLst/>
+          </a:prstGeom>
+          <a:noFill/>
+          <a:ln w="57150">
+            <a:solidFill>
+              <a:schemeClr val="accent1"/>
+            </a:solidFill>
+          </a:ln>
+        </p:spPr>
+        <p:style>
+          <a:lnRef idx="2">
+            <a:schemeClr val="accent1">
+              <a:shade val="50000"/>
+            </a:schemeClr>
+          </a:lnRef>
+          <a:fillRef idx="1">
+            <a:schemeClr val="accent1"/>
+          </a:fillRef>
+          <a:effectRef idx="0">
+            <a:schemeClr val="accent1"/>
+          </a:effectRef>
+          <a:fontRef idx="minor">
+            <a:schemeClr val="lt1"/>
+          </a:fontRef>
+        </p:style>
+        <p:txBody>
+          <a:bodyPr rtlCol="0" anchor="ctr"/>
+          <a:lstStyle/>
+          <a:p>
+            <a:pPr algn="ctr"/>
+            <a:endParaRPr kumimoji="1" lang="ja-JP" altLang="en-US"/>
+          </a:p>
+        </p:txBody>
+      </p:sp>
+      <p:pic>
+        <p:nvPicPr>
+          <p:cNvPr id="4" name="図 3"/>
+          <p:cNvPicPr>
+            <a:picLocks noChangeAspect="1"/>
+          </p:cNvPicPr>
+          <p:nvPr/>
+        </p:nvPicPr>
+        <p:blipFill>
+          <a:blip r:embed="rId3"/>
+          <a:stretch>
+            <a:fillRect/>
+          </a:stretch>
+        </p:blipFill>
+        <p:spPr>
+          <a:xfrm>
             <a:off x="333987" y="4137063"/>
             <a:ext cx="768163" cy="762066"/>
           </a:xfrm>
@@ -3692,7 +3617,7 @@
           <p:nvPr/>
         </p:nvPicPr>
         <p:blipFill>
-          <a:blip r:embed="rId3"/>
+          <a:blip r:embed="rId4"/>
           <a:stretch>
             <a:fillRect/>
           </a:stretch>
@@ -3707,32 +3632,57 @@
           </a:prstGeom>
         </p:spPr>
       </p:pic>
+      <p:sp>
+        <p:nvSpPr>
+          <p:cNvPr id="20" name="正方形/長方形 19"/>
+          <p:cNvSpPr/>
+          <p:nvPr/>
+        </p:nvSpPr>
+        <p:spPr>
+          <a:xfrm>
+            <a:off x="1783793" y="566102"/>
+            <a:ext cx="2152505" cy="2152505"/>
+          </a:xfrm>
+          <a:prstGeom prst="rect">
+            <a:avLst/>
+          </a:prstGeom>
+          <a:solidFill>
+            <a:schemeClr val="bg1"/>
+          </a:solidFill>
+          <a:ln>
+            <a:solidFill>
+              <a:schemeClr val="tx1"/>
+            </a:solidFill>
+          </a:ln>
+        </p:spPr>
+        <p:style>
+          <a:lnRef idx="2">
+            <a:schemeClr val="accent1">
+              <a:shade val="50000"/>
+            </a:schemeClr>
+          </a:lnRef>
+          <a:fillRef idx="1">
+            <a:schemeClr val="accent1"/>
+          </a:fillRef>
+          <a:effectRef idx="0">
+            <a:schemeClr val="accent1"/>
+          </a:effectRef>
+          <a:fontRef idx="minor">
+            <a:schemeClr val="lt1"/>
+          </a:fontRef>
+        </p:style>
+        <p:txBody>
+          <a:bodyPr rtlCol="0" anchor="ctr"/>
+          <a:lstStyle/>
+          <a:p>
+            <a:pPr algn="ctr"/>
+            <a:endParaRPr kumimoji="1" lang="ja-JP" altLang="en-US"/>
+          </a:p>
+        </p:txBody>
+      </p:sp>
       <p:pic>
         <p:nvPicPr>
-          <p:cNvPr id="13" name="図 12"/>
-          <p:cNvPicPr>
-            <a:picLocks noChangeAspect="1"/>
-          </p:cNvPicPr>
-          <p:nvPr/>
-        </p:nvPicPr>
-        <p:blipFill rotWithShape="1">
-          <a:blip r:embed="rId4"/>
-          <a:srcRect t="2220"/>
-          <a:stretch/>
-        </p:blipFill>
-        <p:spPr>
-          <a:xfrm>
-            <a:off x="2086980" y="4088644"/>
-            <a:ext cx="1538509" cy="2209533"/>
-          </a:xfrm>
-          <a:prstGeom prst="rect">
-            <a:avLst/>
-          </a:prstGeom>
-        </p:spPr>
-      </p:pic>
-      <p:pic>
-        <p:nvPicPr>
-          <p:cNvPr id="14" name="図 13"/>
+          <p:cNvPr id="24" name="図 23"/>
           <p:cNvPicPr>
             <a:picLocks noChangeAspect="1"/>
           </p:cNvPicPr>
@@ -3746,17 +3696,113 @@
         </p:blipFill>
         <p:spPr>
           <a:xfrm>
-            <a:off x="2531118" y="5770159"/>
-            <a:ext cx="576940" cy="588961"/>
+            <a:off x="1837667" y="571354"/>
+            <a:ext cx="2044756" cy="2142000"/>
           </a:xfrm>
           <a:prstGeom prst="rect">
             <a:avLst/>
           </a:prstGeom>
         </p:spPr>
       </p:pic>
+      <p:sp>
+        <p:nvSpPr>
+          <p:cNvPr id="27" name="正方形/長方形 26"/>
+          <p:cNvSpPr/>
+          <p:nvPr/>
+        </p:nvSpPr>
+        <p:spPr>
+          <a:xfrm>
+            <a:off x="5386904" y="566102"/>
+            <a:ext cx="2152505" cy="2152505"/>
+          </a:xfrm>
+          <a:prstGeom prst="rect">
+            <a:avLst/>
+          </a:prstGeom>
+          <a:solidFill>
+            <a:schemeClr val="bg1"/>
+          </a:solidFill>
+          <a:ln>
+            <a:solidFill>
+              <a:schemeClr val="tx1"/>
+            </a:solidFill>
+          </a:ln>
+        </p:spPr>
+        <p:style>
+          <a:lnRef idx="2">
+            <a:schemeClr val="accent1">
+              <a:shade val="50000"/>
+            </a:schemeClr>
+          </a:lnRef>
+          <a:fillRef idx="1">
+            <a:schemeClr val="accent1"/>
+          </a:fillRef>
+          <a:effectRef idx="0">
+            <a:schemeClr val="accent1"/>
+          </a:effectRef>
+          <a:fontRef idx="minor">
+            <a:schemeClr val="lt1"/>
+          </a:fontRef>
+        </p:style>
+        <p:txBody>
+          <a:bodyPr rtlCol="0" anchor="ctr"/>
+          <a:lstStyle/>
+          <a:p>
+            <a:pPr algn="ctr"/>
+            <a:endParaRPr kumimoji="1" lang="ja-JP" altLang="en-US"/>
+          </a:p>
+        </p:txBody>
+      </p:sp>
+      <p:sp>
+        <p:nvSpPr>
+          <p:cNvPr id="29" name="正方形/長方形 28"/>
+          <p:cNvSpPr/>
+          <p:nvPr/>
+        </p:nvSpPr>
+        <p:spPr>
+          <a:xfrm>
+            <a:off x="5386904" y="3822876"/>
+            <a:ext cx="2152505" cy="2152505"/>
+          </a:xfrm>
+          <a:prstGeom prst="rect">
+            <a:avLst/>
+          </a:prstGeom>
+          <a:solidFill>
+            <a:schemeClr val="bg1"/>
+          </a:solidFill>
+          <a:ln>
+            <a:solidFill>
+              <a:schemeClr val="tx1"/>
+            </a:solidFill>
+          </a:ln>
+        </p:spPr>
+        <p:style>
+          <a:lnRef idx="2">
+            <a:schemeClr val="accent1">
+              <a:shade val="50000"/>
+            </a:schemeClr>
+          </a:lnRef>
+          <a:fillRef idx="1">
+            <a:schemeClr val="accent1"/>
+          </a:fillRef>
+          <a:effectRef idx="0">
+            <a:schemeClr val="accent1"/>
+          </a:effectRef>
+          <a:fontRef idx="minor">
+            <a:schemeClr val="lt1"/>
+          </a:fontRef>
+        </p:style>
+        <p:txBody>
+          <a:bodyPr rtlCol="0" anchor="ctr"/>
+          <a:lstStyle/>
+          <a:p>
+            <a:pPr algn="ctr"/>
+            <a:endParaRPr kumimoji="1" lang="ja-JP" altLang="en-US"/>
+          </a:p>
+        </p:txBody>
+      </p:sp>
       <p:pic>
         <p:nvPicPr>
-          <p:cNvPr id="17" name="図 16"/>
+          <p:cNvPr id="19" name="図 18"/>
           <p:cNvPicPr>
             <a:picLocks noChangeAspect="1"/>
           </p:cNvPicPr>
@@ -3770,8 +3816,8 @@
         </p:blipFill>
         <p:spPr>
           <a:xfrm>
-            <a:off x="4643833" y="4271896"/>
-            <a:ext cx="2211606" cy="1911116"/>
+            <a:off x="5643560" y="1004279"/>
+            <a:ext cx="1639193" cy="1276150"/>
           </a:xfrm>
           <a:prstGeom prst="rect">
             <a:avLst/>
@@ -3780,7 +3826,7 @@
       </p:pic>
       <p:pic>
         <p:nvPicPr>
-          <p:cNvPr id="19" name="図 18"/>
+          <p:cNvPr id="21" name="図 20"/>
           <p:cNvPicPr>
             <a:picLocks noChangeAspect="1"/>
           </p:cNvPicPr>
@@ -3794,67 +3840,20 @@
         </p:blipFill>
         <p:spPr>
           <a:xfrm>
-            <a:off x="7709478" y="4527071"/>
-            <a:ext cx="1790920" cy="1394273"/>
-          </a:xfrm>
-          <a:prstGeom prst="rect">
-            <a:avLst/>
-          </a:prstGeom>
+            <a:off x="5511226" y="4057172"/>
+            <a:ext cx="1903861" cy="1683912"/>
+          </a:xfrm>
+          <a:prstGeom prst="rect">
+            <a:avLst/>
+          </a:prstGeom>
+          <a:ln>
+            <a:noFill/>
+          </a:ln>
         </p:spPr>
       </p:pic>
-      <p:sp>
-        <p:nvSpPr>
-          <p:cNvPr id="25" name="正方形/長方形 24"/>
-          <p:cNvSpPr>
-            <a:spLocks noChangeAspect="1"/>
-          </p:cNvSpPr>
-          <p:nvPr/>
-        </p:nvSpPr>
-        <p:spPr>
-          <a:xfrm>
-            <a:off x="1908981" y="357407"/>
-            <a:ext cx="3365284" cy="3363935"/>
-          </a:xfrm>
-          <a:prstGeom prst="rect">
-            <a:avLst/>
-          </a:prstGeom>
-          <a:solidFill>
-            <a:schemeClr val="bg1"/>
-          </a:solidFill>
-          <a:ln>
-            <a:solidFill>
-              <a:schemeClr val="tx1"/>
-            </a:solidFill>
-          </a:ln>
-        </p:spPr>
-        <p:style>
-          <a:lnRef idx="2">
-            <a:schemeClr val="accent1">
-              <a:shade val="50000"/>
-            </a:schemeClr>
-          </a:lnRef>
-          <a:fillRef idx="1">
-            <a:schemeClr val="accent1"/>
-          </a:fillRef>
-          <a:effectRef idx="0">
-            <a:schemeClr val="accent1"/>
-          </a:effectRef>
-          <a:fontRef idx="minor">
-            <a:schemeClr val="lt1"/>
-          </a:fontRef>
-        </p:style>
-        <p:txBody>
-          <a:bodyPr rtlCol="0" anchor="ctr"/>
-          <a:lstStyle/>
-          <a:p>
-            <a:pPr algn="ctr"/>
-            <a:endParaRPr kumimoji="1" lang="ja-JP" altLang="en-US"/>
-          </a:p>
-        </p:txBody>
-      </p:sp>
       <p:pic>
         <p:nvPicPr>
-          <p:cNvPr id="26" name="図 25"/>
+          <p:cNvPr id="7" name="図 6"/>
           <p:cNvPicPr>
             <a:picLocks noChangeAspect="1"/>
           </p:cNvPicPr>
@@ -3868,8 +3867,8 @@
         </p:blipFill>
         <p:spPr>
           <a:xfrm>
-            <a:off x="2017744" y="370107"/>
-            <a:ext cx="3181515" cy="3332819"/>
+            <a:off x="2547280" y="5322618"/>
+            <a:ext cx="625530" cy="648000"/>
           </a:xfrm>
           <a:prstGeom prst="rect">
             <a:avLst/>
@@ -9503,10 +9502,370 @@
               <a:schemeClr val="tx1"/>
             </a:solidFill>
           </a:ln>
+          <a:effectLst/>
+          <a:scene3d>
+            <a:camera prst="orthographicFront"/>
+            <a:lightRig rig="threePt" dir="t">
+              <a:rot lat="0" lon="0" rev="15600000"/>
+            </a:lightRig>
+          </a:scene3d>
+          <a:sp3d>
+            <a:bevelT w="152400" h="127000"/>
+          </a:sp3d>
+        </p:spPr>
+        <p:style>
+          <a:lnRef idx="2">
+            <a:schemeClr val="accent1">
+              <a:shade val="50000"/>
+            </a:schemeClr>
+          </a:lnRef>
+          <a:fillRef idx="1">
+            <a:schemeClr val="accent1"/>
+          </a:fillRef>
+          <a:effectRef idx="0">
+            <a:schemeClr val="accent1"/>
+          </a:effectRef>
+          <a:fontRef idx="minor">
+            <a:schemeClr val="lt1"/>
+          </a:fontRef>
+        </p:style>
+        <p:txBody>
+          <a:bodyPr rtlCol="0" anchor="ctr"/>
+          <a:lstStyle/>
+          <a:p>
+            <a:pPr algn="ctr"/>
+            <a:endParaRPr kumimoji="1" lang="ja-JP" altLang="en-US"/>
+          </a:p>
+        </p:txBody>
+      </p:sp>
+      <p:sp>
+        <p:nvSpPr>
+          <p:cNvPr id="44" name="正方形/長方形 43"/>
+          <p:cNvSpPr/>
+          <p:nvPr/>
+        </p:nvSpPr>
+        <p:spPr>
+          <a:xfrm rot="4505116">
+            <a:off x="5095270" y="1785139"/>
+            <a:ext cx="425593" cy="1451972"/>
+          </a:xfrm>
+          <a:prstGeom prst="rect">
+            <a:avLst/>
+          </a:prstGeom>
+          <a:solidFill>
+            <a:schemeClr val="bg1">
+              <a:lumMod val="50000"/>
+            </a:schemeClr>
+          </a:solidFill>
+          <a:ln>
+            <a:solidFill>
+              <a:schemeClr val="tx1"/>
+            </a:solidFill>
+          </a:ln>
+          <a:effectLst/>
+          <a:scene3d>
+            <a:camera prst="orthographicFront"/>
+            <a:lightRig rig="threePt" dir="t">
+              <a:rot lat="0" lon="0" rev="15600000"/>
+            </a:lightRig>
+          </a:scene3d>
+          <a:sp3d>
+            <a:bevelT w="152400" h="127000"/>
+          </a:sp3d>
+        </p:spPr>
+        <p:style>
+          <a:lnRef idx="2">
+            <a:schemeClr val="accent1">
+              <a:shade val="50000"/>
+            </a:schemeClr>
+          </a:lnRef>
+          <a:fillRef idx="1">
+            <a:schemeClr val="accent1"/>
+          </a:fillRef>
+          <a:effectRef idx="0">
+            <a:schemeClr val="accent1"/>
+          </a:effectRef>
+          <a:fontRef idx="minor">
+            <a:schemeClr val="lt1"/>
+          </a:fontRef>
+        </p:style>
+        <p:txBody>
+          <a:bodyPr rtlCol="0" anchor="ctr"/>
+          <a:lstStyle/>
+          <a:p>
+            <a:pPr algn="ctr"/>
+            <a:endParaRPr kumimoji="1" lang="ja-JP" altLang="en-US"/>
+          </a:p>
+        </p:txBody>
+      </p:sp>
+      <p:sp>
+        <p:nvSpPr>
+          <p:cNvPr id="45" name="正方形/長方形 44"/>
+          <p:cNvSpPr/>
+          <p:nvPr/>
+        </p:nvSpPr>
+        <p:spPr>
+          <a:xfrm rot="4505116">
+            <a:off x="5095270" y="2186458"/>
+            <a:ext cx="425593" cy="1451972"/>
+          </a:xfrm>
+          <a:prstGeom prst="rect">
+            <a:avLst/>
+          </a:prstGeom>
+          <a:solidFill>
+            <a:schemeClr val="bg1">
+              <a:lumMod val="50000"/>
+            </a:schemeClr>
+          </a:solidFill>
+          <a:ln>
+            <a:solidFill>
+              <a:schemeClr val="tx1"/>
+            </a:solidFill>
+          </a:ln>
+          <a:effectLst/>
+          <a:scene3d>
+            <a:camera prst="orthographicFront"/>
+            <a:lightRig rig="threePt" dir="t">
+              <a:rot lat="0" lon="0" rev="15600000"/>
+            </a:lightRig>
+          </a:scene3d>
+          <a:sp3d>
+            <a:bevelT w="152400" h="127000"/>
+          </a:sp3d>
+        </p:spPr>
+        <p:style>
+          <a:lnRef idx="2">
+            <a:schemeClr val="accent1">
+              <a:shade val="50000"/>
+            </a:schemeClr>
+          </a:lnRef>
+          <a:fillRef idx="1">
+            <a:schemeClr val="accent1"/>
+          </a:fillRef>
+          <a:effectRef idx="0">
+            <a:schemeClr val="accent1"/>
+          </a:effectRef>
+          <a:fontRef idx="minor">
+            <a:schemeClr val="lt1"/>
+          </a:fontRef>
+        </p:style>
+        <p:txBody>
+          <a:bodyPr rtlCol="0" anchor="ctr"/>
+          <a:lstStyle/>
+          <a:p>
+            <a:pPr algn="ctr"/>
+            <a:endParaRPr kumimoji="1" lang="ja-JP" altLang="en-US"/>
+          </a:p>
+        </p:txBody>
+      </p:sp>
+      <p:sp>
+        <p:nvSpPr>
+          <p:cNvPr id="46" name="正方形/長方形 45"/>
+          <p:cNvSpPr/>
+          <p:nvPr/>
+        </p:nvSpPr>
+        <p:spPr>
+          <a:xfrm rot="4505116">
+            <a:off x="5095270" y="2587777"/>
+            <a:ext cx="425593" cy="1451972"/>
+          </a:xfrm>
+          <a:prstGeom prst="rect">
+            <a:avLst/>
+          </a:prstGeom>
+          <a:solidFill>
+            <a:schemeClr val="bg1">
+              <a:lumMod val="50000"/>
+            </a:schemeClr>
+          </a:solidFill>
+          <a:ln>
+            <a:solidFill>
+              <a:schemeClr val="tx1"/>
+            </a:solidFill>
+          </a:ln>
+          <a:effectLst/>
+          <a:scene3d>
+            <a:camera prst="orthographicFront"/>
+            <a:lightRig rig="threePt" dir="t">
+              <a:rot lat="0" lon="0" rev="15600000"/>
+            </a:lightRig>
+          </a:scene3d>
+          <a:sp3d>
+            <a:bevelT w="152400" h="127000"/>
+          </a:sp3d>
+        </p:spPr>
+        <p:style>
+          <a:lnRef idx="2">
+            <a:schemeClr val="accent1">
+              <a:shade val="50000"/>
+            </a:schemeClr>
+          </a:lnRef>
+          <a:fillRef idx="1">
+            <a:schemeClr val="accent1"/>
+          </a:fillRef>
+          <a:effectRef idx="0">
+            <a:schemeClr val="accent1"/>
+          </a:effectRef>
+          <a:fontRef idx="minor">
+            <a:schemeClr val="lt1"/>
+          </a:fontRef>
+        </p:style>
+        <p:txBody>
+          <a:bodyPr rtlCol="0" anchor="ctr"/>
+          <a:lstStyle/>
+          <a:p>
+            <a:pPr algn="ctr"/>
+            <a:endParaRPr kumimoji="1" lang="ja-JP" altLang="en-US"/>
+          </a:p>
+        </p:txBody>
+      </p:sp>
+      <p:sp>
+        <p:nvSpPr>
+          <p:cNvPr id="47" name="正方形/長方形 46"/>
+          <p:cNvSpPr/>
+          <p:nvPr/>
+        </p:nvSpPr>
+        <p:spPr>
+          <a:xfrm rot="4505116">
+            <a:off x="5095270" y="2989097"/>
+            <a:ext cx="425593" cy="1451972"/>
+          </a:xfrm>
+          <a:prstGeom prst="rect">
+            <a:avLst/>
+          </a:prstGeom>
+          <a:solidFill>
+            <a:schemeClr val="bg1">
+              <a:lumMod val="50000"/>
+            </a:schemeClr>
+          </a:solidFill>
+          <a:ln>
+            <a:solidFill>
+              <a:schemeClr val="tx1"/>
+            </a:solidFill>
+          </a:ln>
+          <a:effectLst/>
+          <a:scene3d>
+            <a:camera prst="orthographicFront"/>
+            <a:lightRig rig="threePt" dir="t">
+              <a:rot lat="0" lon="0" rev="15600000"/>
+            </a:lightRig>
+          </a:scene3d>
+          <a:sp3d>
+            <a:bevelT w="152400" h="127000"/>
+          </a:sp3d>
+        </p:spPr>
+        <p:style>
+          <a:lnRef idx="2">
+            <a:schemeClr val="accent1">
+              <a:shade val="50000"/>
+            </a:schemeClr>
+          </a:lnRef>
+          <a:fillRef idx="1">
+            <a:schemeClr val="accent1"/>
+          </a:fillRef>
+          <a:effectRef idx="0">
+            <a:schemeClr val="accent1"/>
+          </a:effectRef>
+          <a:fontRef idx="minor">
+            <a:schemeClr val="lt1"/>
+          </a:fontRef>
+        </p:style>
+        <p:txBody>
+          <a:bodyPr rtlCol="0" anchor="ctr"/>
+          <a:lstStyle/>
+          <a:p>
+            <a:pPr algn="ctr"/>
+            <a:endParaRPr kumimoji="1" lang="ja-JP" altLang="en-US"/>
+          </a:p>
+        </p:txBody>
+      </p:sp>
+      <p:sp>
+        <p:nvSpPr>
+          <p:cNvPr id="48" name="正方形/長方形 47"/>
+          <p:cNvSpPr/>
+          <p:nvPr/>
+        </p:nvSpPr>
+        <p:spPr>
+          <a:xfrm rot="4505116">
+            <a:off x="5095270" y="3390417"/>
+            <a:ext cx="425593" cy="1451972"/>
+          </a:xfrm>
+          <a:prstGeom prst="rect">
+            <a:avLst/>
+          </a:prstGeom>
+          <a:solidFill>
+            <a:schemeClr val="bg1">
+              <a:lumMod val="50000"/>
+            </a:schemeClr>
+          </a:solidFill>
+          <a:ln>
+            <a:solidFill>
+              <a:schemeClr val="tx1"/>
+            </a:solidFill>
+          </a:ln>
+          <a:effectLst/>
+          <a:scene3d>
+            <a:camera prst="orthographicFront"/>
+            <a:lightRig rig="threePt" dir="t">
+              <a:rot lat="0" lon="0" rev="15600000"/>
+            </a:lightRig>
+          </a:scene3d>
+          <a:sp3d>
+            <a:bevelT w="152400" h="127000"/>
+          </a:sp3d>
+        </p:spPr>
+        <p:style>
+          <a:lnRef idx="2">
+            <a:schemeClr val="accent1">
+              <a:shade val="50000"/>
+            </a:schemeClr>
+          </a:lnRef>
+          <a:fillRef idx="1">
+            <a:schemeClr val="accent1"/>
+          </a:fillRef>
+          <a:effectRef idx="0">
+            <a:schemeClr val="accent1"/>
+          </a:effectRef>
+          <a:fontRef idx="minor">
+            <a:schemeClr val="lt1"/>
+          </a:fontRef>
+        </p:style>
+        <p:txBody>
+          <a:bodyPr rtlCol="0" anchor="ctr"/>
+          <a:lstStyle/>
+          <a:p>
+            <a:pPr algn="ctr"/>
+            <a:endParaRPr kumimoji="1" lang="ja-JP" altLang="en-US"/>
+          </a:p>
+        </p:txBody>
+      </p:sp>
+      <p:sp>
+        <p:nvSpPr>
+          <p:cNvPr id="49" name="正方形/長方形 48"/>
+          <p:cNvSpPr/>
+          <p:nvPr/>
+        </p:nvSpPr>
+        <p:spPr>
+          <a:xfrm rot="4505116">
+            <a:off x="5095270" y="3791737"/>
+            <a:ext cx="425593" cy="1451972"/>
+          </a:xfrm>
+          <a:prstGeom prst="rect">
+            <a:avLst/>
+          </a:prstGeom>
+          <a:solidFill>
+            <a:schemeClr val="bg1">
+              <a:lumMod val="50000"/>
+            </a:schemeClr>
+          </a:solidFill>
+          <a:ln>
+            <a:solidFill>
+              <a:schemeClr val="tx1"/>
+            </a:solidFill>
+          </a:ln>
           <a:effectLst>
-            <a:outerShdw blurRad="203200" sx="110000" sy="110000" algn="tl" rotWithShape="0">
+            <a:outerShdw blurRad="76200" dist="38100" sx="113000" sy="113000" algn="tl" rotWithShape="0">
               <a:prstClr val="black">
-                <a:alpha val="70000"/>
+                <a:alpha val="30000"/>
               </a:prstClr>
             </a:outerShdw>
           </a:effectLst>
@@ -9547,13 +9906,13 @@
       </p:sp>
       <p:sp>
         <p:nvSpPr>
-          <p:cNvPr id="44" name="正方形/長方形 43"/>
-          <p:cNvSpPr/>
-          <p:nvPr/>
-        </p:nvSpPr>
-        <p:spPr>
-          <a:xfrm rot="4505116">
-            <a:off x="5095270" y="1785139"/>
+          <p:cNvPr id="50" name="正方形/長方形 49"/>
+          <p:cNvSpPr/>
+          <p:nvPr/>
+        </p:nvSpPr>
+        <p:spPr>
+          <a:xfrm rot="17094884" flipH="1">
+            <a:off x="6642456" y="1383820"/>
             <a:ext cx="425593" cy="1451972"/>
           </a:xfrm>
           <a:prstGeom prst="rect">
@@ -9569,409 +9928,7 @@
               <a:schemeClr val="tx1"/>
             </a:solidFill>
           </a:ln>
-          <a:effectLst>
-            <a:outerShdw blurRad="203200" sx="110000" sy="110000" algn="tl" rotWithShape="0">
-              <a:prstClr val="black">
-                <a:alpha val="70000"/>
-              </a:prstClr>
-            </a:outerShdw>
-          </a:effectLst>
-          <a:scene3d>
-            <a:camera prst="orthographicFront"/>
-            <a:lightRig rig="threePt" dir="t">
-              <a:rot lat="0" lon="0" rev="15600000"/>
-            </a:lightRig>
-          </a:scene3d>
-          <a:sp3d>
-            <a:bevelT w="152400" h="127000"/>
-          </a:sp3d>
-        </p:spPr>
-        <p:style>
-          <a:lnRef idx="2">
-            <a:schemeClr val="accent1">
-              <a:shade val="50000"/>
-            </a:schemeClr>
-          </a:lnRef>
-          <a:fillRef idx="1">
-            <a:schemeClr val="accent1"/>
-          </a:fillRef>
-          <a:effectRef idx="0">
-            <a:schemeClr val="accent1"/>
-          </a:effectRef>
-          <a:fontRef idx="minor">
-            <a:schemeClr val="lt1"/>
-          </a:fontRef>
-        </p:style>
-        <p:txBody>
-          <a:bodyPr rtlCol="0" anchor="ctr"/>
-          <a:lstStyle/>
-          <a:p>
-            <a:pPr algn="ctr"/>
-            <a:endParaRPr kumimoji="1" lang="ja-JP" altLang="en-US"/>
-          </a:p>
-        </p:txBody>
-      </p:sp>
-      <p:sp>
-        <p:nvSpPr>
-          <p:cNvPr id="45" name="正方形/長方形 44"/>
-          <p:cNvSpPr/>
-          <p:nvPr/>
-        </p:nvSpPr>
-        <p:spPr>
-          <a:xfrm rot="4505116">
-            <a:off x="5095270" y="2186458"/>
-            <a:ext cx="425593" cy="1451972"/>
-          </a:xfrm>
-          <a:prstGeom prst="rect">
-            <a:avLst/>
-          </a:prstGeom>
-          <a:solidFill>
-            <a:schemeClr val="bg1">
-              <a:lumMod val="50000"/>
-            </a:schemeClr>
-          </a:solidFill>
-          <a:ln>
-            <a:solidFill>
-              <a:schemeClr val="tx1"/>
-            </a:solidFill>
-          </a:ln>
-          <a:effectLst>
-            <a:outerShdw blurRad="203200" sx="110000" sy="110000" algn="tl" rotWithShape="0">
-              <a:prstClr val="black">
-                <a:alpha val="70000"/>
-              </a:prstClr>
-            </a:outerShdw>
-          </a:effectLst>
-          <a:scene3d>
-            <a:camera prst="orthographicFront"/>
-            <a:lightRig rig="threePt" dir="t">
-              <a:rot lat="0" lon="0" rev="15600000"/>
-            </a:lightRig>
-          </a:scene3d>
-          <a:sp3d>
-            <a:bevelT w="152400" h="127000"/>
-          </a:sp3d>
-        </p:spPr>
-        <p:style>
-          <a:lnRef idx="2">
-            <a:schemeClr val="accent1">
-              <a:shade val="50000"/>
-            </a:schemeClr>
-          </a:lnRef>
-          <a:fillRef idx="1">
-            <a:schemeClr val="accent1"/>
-          </a:fillRef>
-          <a:effectRef idx="0">
-            <a:schemeClr val="accent1"/>
-          </a:effectRef>
-          <a:fontRef idx="minor">
-            <a:schemeClr val="lt1"/>
-          </a:fontRef>
-        </p:style>
-        <p:txBody>
-          <a:bodyPr rtlCol="0" anchor="ctr"/>
-          <a:lstStyle/>
-          <a:p>
-            <a:pPr algn="ctr"/>
-            <a:endParaRPr kumimoji="1" lang="ja-JP" altLang="en-US"/>
-          </a:p>
-        </p:txBody>
-      </p:sp>
-      <p:sp>
-        <p:nvSpPr>
-          <p:cNvPr id="46" name="正方形/長方形 45"/>
-          <p:cNvSpPr/>
-          <p:nvPr/>
-        </p:nvSpPr>
-        <p:spPr>
-          <a:xfrm rot="4505116">
-            <a:off x="5095270" y="2587777"/>
-            <a:ext cx="425593" cy="1451972"/>
-          </a:xfrm>
-          <a:prstGeom prst="rect">
-            <a:avLst/>
-          </a:prstGeom>
-          <a:solidFill>
-            <a:schemeClr val="bg1">
-              <a:lumMod val="50000"/>
-            </a:schemeClr>
-          </a:solidFill>
-          <a:ln>
-            <a:solidFill>
-              <a:schemeClr val="tx1"/>
-            </a:solidFill>
-          </a:ln>
-          <a:effectLst>
-            <a:outerShdw blurRad="203200" sx="110000" sy="110000" algn="tl" rotWithShape="0">
-              <a:prstClr val="black">
-                <a:alpha val="70000"/>
-              </a:prstClr>
-            </a:outerShdw>
-          </a:effectLst>
-          <a:scene3d>
-            <a:camera prst="orthographicFront"/>
-            <a:lightRig rig="threePt" dir="t">
-              <a:rot lat="0" lon="0" rev="15600000"/>
-            </a:lightRig>
-          </a:scene3d>
-          <a:sp3d>
-            <a:bevelT w="152400" h="127000"/>
-          </a:sp3d>
-        </p:spPr>
-        <p:style>
-          <a:lnRef idx="2">
-            <a:schemeClr val="accent1">
-              <a:shade val="50000"/>
-            </a:schemeClr>
-          </a:lnRef>
-          <a:fillRef idx="1">
-            <a:schemeClr val="accent1"/>
-          </a:fillRef>
-          <a:effectRef idx="0">
-            <a:schemeClr val="accent1"/>
-          </a:effectRef>
-          <a:fontRef idx="minor">
-            <a:schemeClr val="lt1"/>
-          </a:fontRef>
-        </p:style>
-        <p:txBody>
-          <a:bodyPr rtlCol="0" anchor="ctr"/>
-          <a:lstStyle/>
-          <a:p>
-            <a:pPr algn="ctr"/>
-            <a:endParaRPr kumimoji="1" lang="ja-JP" altLang="en-US"/>
-          </a:p>
-        </p:txBody>
-      </p:sp>
-      <p:sp>
-        <p:nvSpPr>
-          <p:cNvPr id="47" name="正方形/長方形 46"/>
-          <p:cNvSpPr/>
-          <p:nvPr/>
-        </p:nvSpPr>
-        <p:spPr>
-          <a:xfrm rot="4505116">
-            <a:off x="5095270" y="2989097"/>
-            <a:ext cx="425593" cy="1451972"/>
-          </a:xfrm>
-          <a:prstGeom prst="rect">
-            <a:avLst/>
-          </a:prstGeom>
-          <a:solidFill>
-            <a:schemeClr val="bg1">
-              <a:lumMod val="50000"/>
-            </a:schemeClr>
-          </a:solidFill>
-          <a:ln>
-            <a:solidFill>
-              <a:schemeClr val="tx1"/>
-            </a:solidFill>
-          </a:ln>
-          <a:effectLst>
-            <a:outerShdw blurRad="203200" sx="110000" sy="110000" algn="tl" rotWithShape="0">
-              <a:prstClr val="black">
-                <a:alpha val="70000"/>
-              </a:prstClr>
-            </a:outerShdw>
-          </a:effectLst>
-          <a:scene3d>
-            <a:camera prst="orthographicFront"/>
-            <a:lightRig rig="threePt" dir="t">
-              <a:rot lat="0" lon="0" rev="15600000"/>
-            </a:lightRig>
-          </a:scene3d>
-          <a:sp3d>
-            <a:bevelT w="152400" h="127000"/>
-          </a:sp3d>
-        </p:spPr>
-        <p:style>
-          <a:lnRef idx="2">
-            <a:schemeClr val="accent1">
-              <a:shade val="50000"/>
-            </a:schemeClr>
-          </a:lnRef>
-          <a:fillRef idx="1">
-            <a:schemeClr val="accent1"/>
-          </a:fillRef>
-          <a:effectRef idx="0">
-            <a:schemeClr val="accent1"/>
-          </a:effectRef>
-          <a:fontRef idx="minor">
-            <a:schemeClr val="lt1"/>
-          </a:fontRef>
-        </p:style>
-        <p:txBody>
-          <a:bodyPr rtlCol="0" anchor="ctr"/>
-          <a:lstStyle/>
-          <a:p>
-            <a:pPr algn="ctr"/>
-            <a:endParaRPr kumimoji="1" lang="ja-JP" altLang="en-US"/>
-          </a:p>
-        </p:txBody>
-      </p:sp>
-      <p:sp>
-        <p:nvSpPr>
-          <p:cNvPr id="48" name="正方形/長方形 47"/>
-          <p:cNvSpPr/>
-          <p:nvPr/>
-        </p:nvSpPr>
-        <p:spPr>
-          <a:xfrm rot="4505116">
-            <a:off x="5095270" y="3390417"/>
-            <a:ext cx="425593" cy="1451972"/>
-          </a:xfrm>
-          <a:prstGeom prst="rect">
-            <a:avLst/>
-          </a:prstGeom>
-          <a:solidFill>
-            <a:schemeClr val="bg1">
-              <a:lumMod val="50000"/>
-            </a:schemeClr>
-          </a:solidFill>
-          <a:ln>
-            <a:solidFill>
-              <a:schemeClr val="tx1"/>
-            </a:solidFill>
-          </a:ln>
-          <a:effectLst>
-            <a:outerShdw blurRad="203200" sx="110000" sy="110000" algn="tl" rotWithShape="0">
-              <a:prstClr val="black">
-                <a:alpha val="70000"/>
-              </a:prstClr>
-            </a:outerShdw>
-          </a:effectLst>
-          <a:scene3d>
-            <a:camera prst="orthographicFront"/>
-            <a:lightRig rig="threePt" dir="t">
-              <a:rot lat="0" lon="0" rev="15600000"/>
-            </a:lightRig>
-          </a:scene3d>
-          <a:sp3d>
-            <a:bevelT w="152400" h="127000"/>
-          </a:sp3d>
-        </p:spPr>
-        <p:style>
-          <a:lnRef idx="2">
-            <a:schemeClr val="accent1">
-              <a:shade val="50000"/>
-            </a:schemeClr>
-          </a:lnRef>
-          <a:fillRef idx="1">
-            <a:schemeClr val="accent1"/>
-          </a:fillRef>
-          <a:effectRef idx="0">
-            <a:schemeClr val="accent1"/>
-          </a:effectRef>
-          <a:fontRef idx="minor">
-            <a:schemeClr val="lt1"/>
-          </a:fontRef>
-        </p:style>
-        <p:txBody>
-          <a:bodyPr rtlCol="0" anchor="ctr"/>
-          <a:lstStyle/>
-          <a:p>
-            <a:pPr algn="ctr"/>
-            <a:endParaRPr kumimoji="1" lang="ja-JP" altLang="en-US"/>
-          </a:p>
-        </p:txBody>
-      </p:sp>
-      <p:sp>
-        <p:nvSpPr>
-          <p:cNvPr id="49" name="正方形/長方形 48"/>
-          <p:cNvSpPr/>
-          <p:nvPr/>
-        </p:nvSpPr>
-        <p:spPr>
-          <a:xfrm rot="4505116">
-            <a:off x="5095270" y="3791737"/>
-            <a:ext cx="425593" cy="1451972"/>
-          </a:xfrm>
-          <a:prstGeom prst="rect">
-            <a:avLst/>
-          </a:prstGeom>
-          <a:solidFill>
-            <a:schemeClr val="bg1">
-              <a:lumMod val="50000"/>
-            </a:schemeClr>
-          </a:solidFill>
-          <a:ln>
-            <a:solidFill>
-              <a:schemeClr val="tx1"/>
-            </a:solidFill>
-          </a:ln>
-          <a:effectLst>
-            <a:outerShdw blurRad="203200" sx="110000" sy="110000" algn="tl" rotWithShape="0">
-              <a:prstClr val="black">
-                <a:alpha val="70000"/>
-              </a:prstClr>
-            </a:outerShdw>
-          </a:effectLst>
-          <a:scene3d>
-            <a:camera prst="orthographicFront"/>
-            <a:lightRig rig="threePt" dir="t">
-              <a:rot lat="0" lon="0" rev="15600000"/>
-            </a:lightRig>
-          </a:scene3d>
-          <a:sp3d>
-            <a:bevelT w="152400" h="127000"/>
-          </a:sp3d>
-        </p:spPr>
-        <p:style>
-          <a:lnRef idx="2">
-            <a:schemeClr val="accent1">
-              <a:shade val="50000"/>
-            </a:schemeClr>
-          </a:lnRef>
-          <a:fillRef idx="1">
-            <a:schemeClr val="accent1"/>
-          </a:fillRef>
-          <a:effectRef idx="0">
-            <a:schemeClr val="accent1"/>
-          </a:effectRef>
-          <a:fontRef idx="minor">
-            <a:schemeClr val="lt1"/>
-          </a:fontRef>
-        </p:style>
-        <p:txBody>
-          <a:bodyPr rtlCol="0" anchor="ctr"/>
-          <a:lstStyle/>
-          <a:p>
-            <a:pPr algn="ctr"/>
-            <a:endParaRPr kumimoji="1" lang="ja-JP" altLang="en-US"/>
-          </a:p>
-        </p:txBody>
-      </p:sp>
-      <p:sp>
-        <p:nvSpPr>
-          <p:cNvPr id="50" name="正方形/長方形 49"/>
-          <p:cNvSpPr/>
-          <p:nvPr/>
-        </p:nvSpPr>
-        <p:spPr>
-          <a:xfrm rot="17094884" flipH="1">
-            <a:off x="6642456" y="1383820"/>
-            <a:ext cx="425593" cy="1451972"/>
-          </a:xfrm>
-          <a:prstGeom prst="rect">
-            <a:avLst/>
-          </a:prstGeom>
-          <a:solidFill>
-            <a:schemeClr val="bg1">
-              <a:lumMod val="50000"/>
-            </a:schemeClr>
-          </a:solidFill>
-          <a:ln>
-            <a:solidFill>
-              <a:schemeClr val="tx1"/>
-            </a:solidFill>
-          </a:ln>
-          <a:effectLst>
-            <a:outerShdw blurRad="317500" dir="8100000" sx="110000" sy="110000" algn="tr" rotWithShape="0">
-              <a:prstClr val="black">
-                <a:alpha val="70000"/>
-              </a:prstClr>
-            </a:outerShdw>
-          </a:effectLst>
+          <a:effectLst/>
           <a:scene3d>
             <a:camera prst="orthographicFront"/>
             <a:lightRig rig="threePt" dir="t">
@@ -10031,13 +9988,7 @@
               <a:schemeClr val="tx1"/>
             </a:solidFill>
           </a:ln>
-          <a:effectLst>
-            <a:outerShdw blurRad="317500" dir="8100000" sx="110000" sy="110000" algn="tr" rotWithShape="0">
-              <a:prstClr val="black">
-                <a:alpha val="70000"/>
-              </a:prstClr>
-            </a:outerShdw>
-          </a:effectLst>
+          <a:effectLst/>
           <a:scene3d>
             <a:camera prst="orthographicFront"/>
             <a:lightRig rig="threePt" dir="t">
@@ -10097,13 +10048,7 @@
               <a:schemeClr val="tx1"/>
             </a:solidFill>
           </a:ln>
-          <a:effectLst>
-            <a:outerShdw blurRad="317500" dir="8100000" sx="110000" sy="110000" algn="tr" rotWithShape="0">
-              <a:prstClr val="black">
-                <a:alpha val="70000"/>
-              </a:prstClr>
-            </a:outerShdw>
-          </a:effectLst>
+          <a:effectLst/>
           <a:scene3d>
             <a:camera prst="orthographicFront"/>
             <a:lightRig rig="threePt" dir="t">
@@ -10163,13 +10108,7 @@
               <a:schemeClr val="tx1"/>
             </a:solidFill>
           </a:ln>
-          <a:effectLst>
-            <a:outerShdw blurRad="317500" dir="8100000" sx="110000" sy="110000" algn="tr" rotWithShape="0">
-              <a:prstClr val="black">
-                <a:alpha val="70000"/>
-              </a:prstClr>
-            </a:outerShdw>
-          </a:effectLst>
+          <a:effectLst/>
           <a:scene3d>
             <a:camera prst="orthographicFront"/>
             <a:lightRig rig="threePt" dir="t">
@@ -10229,13 +10168,7 @@
               <a:schemeClr val="tx1"/>
             </a:solidFill>
           </a:ln>
-          <a:effectLst>
-            <a:outerShdw blurRad="317500" dir="8100000" sx="110000" sy="110000" algn="tr" rotWithShape="0">
-              <a:prstClr val="black">
-                <a:alpha val="70000"/>
-              </a:prstClr>
-            </a:outerShdw>
-          </a:effectLst>
+          <a:effectLst/>
           <a:scene3d>
             <a:camera prst="orthographicFront"/>
             <a:lightRig rig="threePt" dir="t">
@@ -10295,13 +10228,7 @@
               <a:schemeClr val="tx1"/>
             </a:solidFill>
           </a:ln>
-          <a:effectLst>
-            <a:outerShdw blurRad="317500" dir="8100000" sx="110000" sy="110000" algn="tr" rotWithShape="0">
-              <a:prstClr val="black">
-                <a:alpha val="70000"/>
-              </a:prstClr>
-            </a:outerShdw>
-          </a:effectLst>
+          <a:effectLst/>
           <a:scene3d>
             <a:camera prst="orthographicFront"/>
             <a:lightRig rig="threePt" dir="t">
@@ -10362,9 +10289,9 @@
             </a:solidFill>
           </a:ln>
           <a:effectLst>
-            <a:outerShdw blurRad="317500" dir="8100000" sx="110000" sy="110000" algn="tr" rotWithShape="0">
+            <a:outerShdw blurRad="76200" dist="38100" dir="10200000" sx="113000" sy="113000" algn="tr" rotWithShape="0">
               <a:prstClr val="black">
-                <a:alpha val="70000"/>
+                <a:alpha val="30000"/>
               </a:prstClr>
             </a:outerShdw>
           </a:effectLst>
@@ -10700,10 +10627,130 @@
               <a:schemeClr val="tx1"/>
             </a:solidFill>
           </a:ln>
+          <a:effectLst/>
+          <a:scene3d>
+            <a:camera prst="orthographicFront"/>
+            <a:lightRig rig="threePt" dir="t">
+              <a:rot lat="0" lon="0" rev="9000000"/>
+            </a:lightRig>
+          </a:scene3d>
+          <a:sp3d>
+            <a:bevelT w="152400" h="127000"/>
+          </a:sp3d>
+        </p:spPr>
+        <p:style>
+          <a:lnRef idx="2">
+            <a:schemeClr val="accent1">
+              <a:shade val="50000"/>
+            </a:schemeClr>
+          </a:lnRef>
+          <a:fillRef idx="1">
+            <a:schemeClr val="accent1"/>
+          </a:fillRef>
+          <a:effectRef idx="0">
+            <a:schemeClr val="accent1"/>
+          </a:effectRef>
+          <a:fontRef idx="minor">
+            <a:schemeClr val="lt1"/>
+          </a:fontRef>
+        </p:style>
+        <p:txBody>
+          <a:bodyPr rtlCol="0" anchor="ctr"/>
+          <a:lstStyle/>
+          <a:p>
+            <a:pPr algn="ctr"/>
+            <a:endParaRPr kumimoji="1" lang="ja-JP" altLang="en-US"/>
+          </a:p>
+        </p:txBody>
+      </p:sp>
+      <p:sp>
+        <p:nvSpPr>
+          <p:cNvPr id="25" name="正方形/長方形 24"/>
+          <p:cNvSpPr/>
+          <p:nvPr/>
+        </p:nvSpPr>
+        <p:spPr>
+          <a:xfrm rot="4505116">
+            <a:off x="5643180" y="1359758"/>
+            <a:ext cx="201706" cy="688149"/>
+          </a:xfrm>
+          <a:prstGeom prst="rect">
+            <a:avLst/>
+          </a:prstGeom>
+          <a:solidFill>
+            <a:schemeClr val="bg1">
+              <a:lumMod val="50000"/>
+            </a:schemeClr>
+          </a:solidFill>
+          <a:ln>
+            <a:solidFill>
+              <a:schemeClr val="tx1"/>
+            </a:solidFill>
+          </a:ln>
+          <a:effectLst/>
+          <a:scene3d>
+            <a:camera prst="orthographicFront"/>
+            <a:lightRig rig="threePt" dir="t">
+              <a:rot lat="0" lon="0" rev="9000000"/>
+            </a:lightRig>
+          </a:scene3d>
+          <a:sp3d>
+            <a:bevelT w="152400" h="127000"/>
+          </a:sp3d>
+        </p:spPr>
+        <p:style>
+          <a:lnRef idx="2">
+            <a:schemeClr val="accent1">
+              <a:shade val="50000"/>
+            </a:schemeClr>
+          </a:lnRef>
+          <a:fillRef idx="1">
+            <a:schemeClr val="accent1"/>
+          </a:fillRef>
+          <a:effectRef idx="0">
+            <a:schemeClr val="accent1"/>
+          </a:effectRef>
+          <a:fontRef idx="minor">
+            <a:schemeClr val="lt1"/>
+          </a:fontRef>
+        </p:style>
+        <p:txBody>
+          <a:bodyPr rtlCol="0" anchor="ctr"/>
+          <a:lstStyle/>
+          <a:p>
+            <a:pPr algn="ctr"/>
+            <a:endParaRPr kumimoji="1" lang="ja-JP" altLang="en-US"/>
+          </a:p>
+        </p:txBody>
+      </p:sp>
+      <p:sp>
+        <p:nvSpPr>
+          <p:cNvPr id="26" name="正方形/長方形 25"/>
+          <p:cNvSpPr/>
+          <p:nvPr/>
+        </p:nvSpPr>
+        <p:spPr>
+          <a:xfrm rot="4505116">
+            <a:off x="5643180" y="1550533"/>
+            <a:ext cx="201706" cy="688149"/>
+          </a:xfrm>
+          <a:prstGeom prst="rect">
+            <a:avLst/>
+          </a:prstGeom>
+          <a:solidFill>
+            <a:schemeClr val="bg1">
+              <a:lumMod val="50000"/>
+            </a:schemeClr>
+          </a:solidFill>
+          <a:ln>
+            <a:solidFill>
+              <a:schemeClr val="tx1"/>
+            </a:solidFill>
+          </a:ln>
           <a:effectLst>
-            <a:outerShdw blurRad="203200" sx="110000" sy="110000" algn="tl" rotWithShape="0">
+            <a:outerShdw blurRad="76200" dist="38100" dir="5400000" sx="118000" sy="118000" algn="t" rotWithShape="0">
               <a:prstClr val="black">
-                <a:alpha val="70000"/>
+                <a:alpha val="38000"/>
               </a:prstClr>
             </a:outerShdw>
           </a:effectLst>
@@ -10744,13 +10791,13 @@
       </p:sp>
       <p:sp>
         <p:nvSpPr>
-          <p:cNvPr id="25" name="正方形/長方形 24"/>
+          <p:cNvPr id="27" name="正方形/長方形 26"/>
           <p:cNvSpPr/>
           <p:nvPr/>
         </p:nvSpPr>
         <p:spPr>
           <a:xfrm rot="4505116">
-            <a:off x="5643180" y="1359758"/>
+            <a:off x="5643180" y="1741308"/>
             <a:ext cx="201706" cy="688149"/>
           </a:xfrm>
           <a:prstGeom prst="rect">
@@ -10767,9 +10814,9 @@
             </a:solidFill>
           </a:ln>
           <a:effectLst>
-            <a:outerShdw blurRad="203200" sx="110000" sy="110000" algn="tl" rotWithShape="0">
+            <a:outerShdw blurRad="76200" dist="38100" dir="5400000" sx="118000" sy="118000" algn="t" rotWithShape="0">
               <a:prstClr val="black">
-                <a:alpha val="70000"/>
+                <a:alpha val="38000"/>
               </a:prstClr>
             </a:outerShdw>
           </a:effectLst>
@@ -10810,13 +10857,13 @@
       </p:sp>
       <p:sp>
         <p:nvSpPr>
-          <p:cNvPr id="26" name="正方形/長方形 25"/>
+          <p:cNvPr id="28" name="正方形/長方形 27"/>
           <p:cNvSpPr/>
           <p:nvPr/>
         </p:nvSpPr>
         <p:spPr>
           <a:xfrm rot="4505116">
-            <a:off x="5643180" y="1550533"/>
+            <a:off x="5643180" y="1932084"/>
             <a:ext cx="201706" cy="688149"/>
           </a:xfrm>
           <a:prstGeom prst="rect">
@@ -10833,9 +10880,9 @@
             </a:solidFill>
           </a:ln>
           <a:effectLst>
-            <a:outerShdw blurRad="203200" sx="110000" sy="110000" algn="tl" rotWithShape="0">
+            <a:outerShdw blurRad="76200" dist="38100" dir="5400000" sx="118000" sy="118000" algn="t" rotWithShape="0">
               <a:prstClr val="black">
-                <a:alpha val="70000"/>
+                <a:alpha val="38000"/>
               </a:prstClr>
             </a:outerShdw>
           </a:effectLst>
@@ -10876,13 +10923,13 @@
       </p:sp>
       <p:sp>
         <p:nvSpPr>
-          <p:cNvPr id="27" name="正方形/長方形 26"/>
+          <p:cNvPr id="29" name="正方形/長方形 28"/>
           <p:cNvSpPr/>
           <p:nvPr/>
         </p:nvSpPr>
         <p:spPr>
           <a:xfrm rot="4505116">
-            <a:off x="5643180" y="1741308"/>
+            <a:off x="5643180" y="2122860"/>
             <a:ext cx="201706" cy="688149"/>
           </a:xfrm>
           <a:prstGeom prst="rect">
@@ -10899,9 +10946,9 @@
             </a:solidFill>
           </a:ln>
           <a:effectLst>
-            <a:outerShdw blurRad="203200" sx="110000" sy="110000" algn="tl" rotWithShape="0">
+            <a:outerShdw blurRad="76200" dist="38100" dir="5400000" sx="118000" sy="118000" algn="t" rotWithShape="0">
               <a:prstClr val="black">
-                <a:alpha val="70000"/>
+                <a:alpha val="38000"/>
               </a:prstClr>
             </a:outerShdw>
           </a:effectLst>
@@ -10942,13 +10989,13 @@
       </p:sp>
       <p:sp>
         <p:nvSpPr>
-          <p:cNvPr id="28" name="正方形/長方形 27"/>
+          <p:cNvPr id="30" name="正方形/長方形 29"/>
           <p:cNvSpPr/>
           <p:nvPr/>
         </p:nvSpPr>
         <p:spPr>
           <a:xfrm rot="4505116">
-            <a:off x="5643180" y="1932084"/>
+            <a:off x="5643180" y="2313635"/>
             <a:ext cx="201706" cy="688149"/>
           </a:xfrm>
           <a:prstGeom prst="rect">
@@ -10965,9 +11012,9 @@
             </a:solidFill>
           </a:ln>
           <a:effectLst>
-            <a:outerShdw blurRad="203200" sx="110000" sy="110000" algn="tl" rotWithShape="0">
+            <a:outerShdw blurRad="76200" dist="38100" dir="5400000" sx="118000" sy="118000" algn="t" rotWithShape="0">
               <a:prstClr val="black">
-                <a:alpha val="70000"/>
+                <a:alpha val="38000"/>
               </a:prstClr>
             </a:outerShdw>
           </a:effectLst>
@@ -11008,13 +11055,13 @@
       </p:sp>
       <p:sp>
         <p:nvSpPr>
-          <p:cNvPr id="29" name="正方形/長方形 28"/>
-          <p:cNvSpPr/>
-          <p:nvPr/>
-        </p:nvSpPr>
-        <p:spPr>
-          <a:xfrm rot="4505116">
-            <a:off x="5643180" y="2122860"/>
+          <p:cNvPr id="31" name="正方形/長方形 30"/>
+          <p:cNvSpPr/>
+          <p:nvPr/>
+        </p:nvSpPr>
+        <p:spPr>
+          <a:xfrm rot="17094884" flipH="1">
+            <a:off x="6394456" y="1168980"/>
             <a:ext cx="201706" cy="688149"/>
           </a:xfrm>
           <a:prstGeom prst="rect">
@@ -11030,17 +11077,11 @@
               <a:schemeClr val="tx1"/>
             </a:solidFill>
           </a:ln>
-          <a:effectLst>
-            <a:outerShdw blurRad="203200" sx="110000" sy="110000" algn="tl" rotWithShape="0">
-              <a:prstClr val="black">
-                <a:alpha val="70000"/>
-              </a:prstClr>
-            </a:outerShdw>
-          </a:effectLst>
+          <a:effectLst/>
           <a:scene3d>
             <a:camera prst="orthographicFront"/>
             <a:lightRig rig="threePt" dir="t">
-              <a:rot lat="0" lon="0" rev="9000000"/>
+              <a:rot lat="0" lon="0" rev="18000000"/>
             </a:lightRig>
           </a:scene3d>
           <a:sp3d>
@@ -11074,13 +11115,13 @@
       </p:sp>
       <p:sp>
         <p:nvSpPr>
-          <p:cNvPr id="30" name="正方形/長方形 29"/>
-          <p:cNvSpPr/>
-          <p:nvPr/>
-        </p:nvSpPr>
-        <p:spPr>
-          <a:xfrm rot="4505116">
-            <a:off x="5643180" y="2313635"/>
+          <p:cNvPr id="32" name="正方形/長方形 31"/>
+          <p:cNvSpPr/>
+          <p:nvPr/>
+        </p:nvSpPr>
+        <p:spPr>
+          <a:xfrm rot="17094884" flipH="1">
+            <a:off x="6394456" y="1358772"/>
             <a:ext cx="201706" cy="688149"/>
           </a:xfrm>
           <a:prstGeom prst="rect">
@@ -11096,17 +11137,11 @@
               <a:schemeClr val="tx1"/>
             </a:solidFill>
           </a:ln>
-          <a:effectLst>
-            <a:outerShdw blurRad="203200" sx="110000" sy="110000" algn="tl" rotWithShape="0">
-              <a:prstClr val="black">
-                <a:alpha val="70000"/>
-              </a:prstClr>
-            </a:outerShdw>
-          </a:effectLst>
+          <a:effectLst/>
           <a:scene3d>
             <a:camera prst="orthographicFront"/>
             <a:lightRig rig="threePt" dir="t">
-              <a:rot lat="0" lon="0" rev="9000000"/>
+              <a:rot lat="0" lon="0" rev="18000000"/>
             </a:lightRig>
           </a:scene3d>
           <a:sp3d>
@@ -11140,13 +11175,13 @@
       </p:sp>
       <p:sp>
         <p:nvSpPr>
-          <p:cNvPr id="31" name="正方形/長方形 30"/>
+          <p:cNvPr id="33" name="正方形/長方形 32"/>
           <p:cNvSpPr/>
           <p:nvPr/>
         </p:nvSpPr>
         <p:spPr>
           <a:xfrm rot="17094884" flipH="1">
-            <a:off x="6394456" y="1168980"/>
+            <a:off x="6394456" y="1548564"/>
             <a:ext cx="201706" cy="688149"/>
           </a:xfrm>
           <a:prstGeom prst="rect">
@@ -11163,9 +11198,9 @@
             </a:solidFill>
           </a:ln>
           <a:effectLst>
-            <a:outerShdw blurRad="317500" dir="8100000" sx="110000" sy="110000" algn="tr" rotWithShape="0">
+            <a:outerShdw blurRad="76200" dist="38100" dir="5400000" sx="118000" sy="118000" algn="t" rotWithShape="0">
               <a:prstClr val="black">
-                <a:alpha val="70000"/>
+                <a:alpha val="38000"/>
               </a:prstClr>
             </a:outerShdw>
           </a:effectLst>
@@ -11206,13 +11241,13 @@
       </p:sp>
       <p:sp>
         <p:nvSpPr>
-          <p:cNvPr id="32" name="正方形/長方形 31"/>
+          <p:cNvPr id="34" name="正方形/長方形 33"/>
           <p:cNvSpPr/>
           <p:nvPr/>
         </p:nvSpPr>
         <p:spPr>
           <a:xfrm rot="17094884" flipH="1">
-            <a:off x="6394456" y="1358772"/>
+            <a:off x="6394456" y="1738356"/>
             <a:ext cx="201706" cy="688149"/>
           </a:xfrm>
           <a:prstGeom prst="rect">
@@ -11229,9 +11264,9 @@
             </a:solidFill>
           </a:ln>
           <a:effectLst>
-            <a:outerShdw blurRad="317500" dir="8100000" sx="110000" sy="110000" algn="tr" rotWithShape="0">
+            <a:outerShdw blurRad="76200" dist="38100" dir="5400000" sx="118000" sy="118000" algn="t" rotWithShape="0">
               <a:prstClr val="black">
-                <a:alpha val="70000"/>
+                <a:alpha val="38000"/>
               </a:prstClr>
             </a:outerShdw>
           </a:effectLst>
@@ -11272,13 +11307,13 @@
       </p:sp>
       <p:sp>
         <p:nvSpPr>
-          <p:cNvPr id="33" name="正方形/長方形 32"/>
+          <p:cNvPr id="35" name="正方形/長方形 34"/>
           <p:cNvSpPr/>
           <p:nvPr/>
         </p:nvSpPr>
         <p:spPr>
           <a:xfrm rot="17094884" flipH="1">
-            <a:off x="6394456" y="1548564"/>
+            <a:off x="6394456" y="1928148"/>
             <a:ext cx="201706" cy="688149"/>
           </a:xfrm>
           <a:prstGeom prst="rect">
@@ -11295,9 +11330,9 @@
             </a:solidFill>
           </a:ln>
           <a:effectLst>
-            <a:outerShdw blurRad="317500" dir="8100000" sx="110000" sy="110000" algn="tr" rotWithShape="0">
+            <a:outerShdw blurRad="76200" dist="38100" dir="5400000" sx="118000" sy="118000" algn="t" rotWithShape="0">
               <a:prstClr val="black">
-                <a:alpha val="70000"/>
+                <a:alpha val="38000"/>
               </a:prstClr>
             </a:outerShdw>
           </a:effectLst>
@@ -11338,13 +11373,13 @@
       </p:sp>
       <p:sp>
         <p:nvSpPr>
-          <p:cNvPr id="34" name="正方形/長方形 33"/>
+          <p:cNvPr id="36" name="正方形/長方形 35"/>
           <p:cNvSpPr/>
           <p:nvPr/>
         </p:nvSpPr>
         <p:spPr>
           <a:xfrm rot="17094884" flipH="1">
-            <a:off x="6394456" y="1738356"/>
+            <a:off x="6394456" y="2117940"/>
             <a:ext cx="201706" cy="688149"/>
           </a:xfrm>
           <a:prstGeom prst="rect">
@@ -11361,9 +11396,9 @@
             </a:solidFill>
           </a:ln>
           <a:effectLst>
-            <a:outerShdw blurRad="317500" dir="8100000" sx="110000" sy="110000" algn="tr" rotWithShape="0">
+            <a:outerShdw blurRad="76200" dist="38100" dir="5400000" sx="118000" sy="118000" algn="t" rotWithShape="0">
               <a:prstClr val="black">
-                <a:alpha val="70000"/>
+                <a:alpha val="38000"/>
               </a:prstClr>
             </a:outerShdw>
           </a:effectLst>
@@ -11404,13 +11439,13 @@
       </p:sp>
       <p:sp>
         <p:nvSpPr>
-          <p:cNvPr id="35" name="正方形/長方形 34"/>
+          <p:cNvPr id="37" name="正方形/長方形 36"/>
           <p:cNvSpPr/>
           <p:nvPr/>
         </p:nvSpPr>
         <p:spPr>
           <a:xfrm rot="17094884" flipH="1">
-            <a:off x="6394456" y="1928148"/>
+            <a:off x="6394456" y="2307734"/>
             <a:ext cx="201706" cy="688149"/>
           </a:xfrm>
           <a:prstGeom prst="rect">
@@ -11427,141 +11462,9 @@
             </a:solidFill>
           </a:ln>
           <a:effectLst>
-            <a:outerShdw blurRad="317500" dir="8100000" sx="110000" sy="110000" algn="tr" rotWithShape="0">
+            <a:outerShdw blurRad="76200" dist="38100" dir="5400000" sx="118000" sy="118000" algn="t" rotWithShape="0">
               <a:prstClr val="black">
-                <a:alpha val="70000"/>
-              </a:prstClr>
-            </a:outerShdw>
-          </a:effectLst>
-          <a:scene3d>
-            <a:camera prst="orthographicFront"/>
-            <a:lightRig rig="threePt" dir="t">
-              <a:rot lat="0" lon="0" rev="18000000"/>
-            </a:lightRig>
-          </a:scene3d>
-          <a:sp3d>
-            <a:bevelT w="152400" h="127000"/>
-          </a:sp3d>
-        </p:spPr>
-        <p:style>
-          <a:lnRef idx="2">
-            <a:schemeClr val="accent1">
-              <a:shade val="50000"/>
-            </a:schemeClr>
-          </a:lnRef>
-          <a:fillRef idx="1">
-            <a:schemeClr val="accent1"/>
-          </a:fillRef>
-          <a:effectRef idx="0">
-            <a:schemeClr val="accent1"/>
-          </a:effectRef>
-          <a:fontRef idx="minor">
-            <a:schemeClr val="lt1"/>
-          </a:fontRef>
-        </p:style>
-        <p:txBody>
-          <a:bodyPr rtlCol="0" anchor="ctr"/>
-          <a:lstStyle/>
-          <a:p>
-            <a:pPr algn="ctr"/>
-            <a:endParaRPr kumimoji="1" lang="ja-JP" altLang="en-US"/>
-          </a:p>
-        </p:txBody>
-      </p:sp>
-      <p:sp>
-        <p:nvSpPr>
-          <p:cNvPr id="36" name="正方形/長方形 35"/>
-          <p:cNvSpPr/>
-          <p:nvPr/>
-        </p:nvSpPr>
-        <p:spPr>
-          <a:xfrm rot="17094884" flipH="1">
-            <a:off x="6394456" y="2117940"/>
-            <a:ext cx="201706" cy="688149"/>
-          </a:xfrm>
-          <a:prstGeom prst="rect">
-            <a:avLst/>
-          </a:prstGeom>
-          <a:solidFill>
-            <a:schemeClr val="bg1">
-              <a:lumMod val="50000"/>
-            </a:schemeClr>
-          </a:solidFill>
-          <a:ln>
-            <a:solidFill>
-              <a:schemeClr val="tx1"/>
-            </a:solidFill>
-          </a:ln>
-          <a:effectLst>
-            <a:outerShdw blurRad="317500" dir="8100000" sx="110000" sy="110000" algn="tr" rotWithShape="0">
-              <a:prstClr val="black">
-                <a:alpha val="70000"/>
-              </a:prstClr>
-            </a:outerShdw>
-          </a:effectLst>
-          <a:scene3d>
-            <a:camera prst="orthographicFront"/>
-            <a:lightRig rig="threePt" dir="t">
-              <a:rot lat="0" lon="0" rev="18000000"/>
-            </a:lightRig>
-          </a:scene3d>
-          <a:sp3d>
-            <a:bevelT w="152400" h="127000"/>
-          </a:sp3d>
-        </p:spPr>
-        <p:style>
-          <a:lnRef idx="2">
-            <a:schemeClr val="accent1">
-              <a:shade val="50000"/>
-            </a:schemeClr>
-          </a:lnRef>
-          <a:fillRef idx="1">
-            <a:schemeClr val="accent1"/>
-          </a:fillRef>
-          <a:effectRef idx="0">
-            <a:schemeClr val="accent1"/>
-          </a:effectRef>
-          <a:fontRef idx="minor">
-            <a:schemeClr val="lt1"/>
-          </a:fontRef>
-        </p:style>
-        <p:txBody>
-          <a:bodyPr rtlCol="0" anchor="ctr"/>
-          <a:lstStyle/>
-          <a:p>
-            <a:pPr algn="ctr"/>
-            <a:endParaRPr kumimoji="1" lang="ja-JP" altLang="en-US"/>
-          </a:p>
-        </p:txBody>
-      </p:sp>
-      <p:sp>
-        <p:nvSpPr>
-          <p:cNvPr id="37" name="正方形/長方形 36"/>
-          <p:cNvSpPr/>
-          <p:nvPr/>
-        </p:nvSpPr>
-        <p:spPr>
-          <a:xfrm rot="17094884" flipH="1">
-            <a:off x="6394456" y="2307734"/>
-            <a:ext cx="201706" cy="688149"/>
-          </a:xfrm>
-          <a:prstGeom prst="rect">
-            <a:avLst/>
-          </a:prstGeom>
-          <a:solidFill>
-            <a:schemeClr val="bg1">
-              <a:lumMod val="50000"/>
-            </a:schemeClr>
-          </a:solidFill>
-          <a:ln>
-            <a:solidFill>
-              <a:schemeClr val="tx1"/>
-            </a:solidFill>
-          </a:ln>
-          <a:effectLst>
-            <a:outerShdw blurRad="317500" dir="8100000" sx="110000" sy="110000" algn="tr" rotWithShape="0">
-              <a:prstClr val="black">
-                <a:alpha val="70000"/>
+                <a:alpha val="38000"/>
               </a:prstClr>
             </a:outerShdw>
           </a:effectLst>
@@ -12289,13 +12192,7 @@
               </a:schemeClr>
             </a:solidFill>
           </a:ln>
-          <a:effectLst>
-            <a:outerShdw blurRad="254000" dist="127000" dir="8100000" algn="tr" rotWithShape="0">
-              <a:prstClr val="black">
-                <a:alpha val="20000"/>
-              </a:prstClr>
-            </a:outerShdw>
-          </a:effectLst>
+          <a:effectLst/>
           <a:scene3d>
             <a:camera prst="orthographicFront"/>
             <a:lightRig rig="threePt" dir="t">
@@ -12358,13 +12255,7 @@
               </a:schemeClr>
             </a:solidFill>
           </a:ln>
-          <a:effectLst>
-            <a:outerShdw blurRad="254000" dist="127000" dir="8100000" algn="tr" rotWithShape="0">
-              <a:prstClr val="black">
-                <a:alpha val="20000"/>
-              </a:prstClr>
-            </a:outerShdw>
-          </a:effectLst>
+          <a:effectLst/>
           <a:scene3d>
             <a:camera prst="orthographicFront"/>
             <a:lightRig rig="threePt" dir="t">
@@ -12427,13 +12318,7 @@
               </a:schemeClr>
             </a:solidFill>
           </a:ln>
-          <a:effectLst>
-            <a:outerShdw blurRad="254000" dist="127000" dir="8100000" algn="tr" rotWithShape="0">
-              <a:prstClr val="black">
-                <a:alpha val="20000"/>
-              </a:prstClr>
-            </a:outerShdw>
-          </a:effectLst>
+          <a:effectLst/>
           <a:scene3d>
             <a:camera prst="orthographicFront"/>
             <a:lightRig rig="threePt" dir="t">
@@ -12496,13 +12381,7 @@
               </a:schemeClr>
             </a:solidFill>
           </a:ln>
-          <a:effectLst>
-            <a:outerShdw blurRad="254000" dist="127000" dir="8100000" algn="tr" rotWithShape="0">
-              <a:prstClr val="black">
-                <a:alpha val="20000"/>
-              </a:prstClr>
-            </a:outerShdw>
-          </a:effectLst>
+          <a:effectLst/>
           <a:scene3d>
             <a:camera prst="orthographicFront"/>
             <a:lightRig rig="threePt" dir="t">
@@ -12565,13 +12444,7 @@
               </a:schemeClr>
             </a:solidFill>
           </a:ln>
-          <a:effectLst>
-            <a:outerShdw blurRad="254000" dist="127000" dir="8100000" algn="tr" rotWithShape="0">
-              <a:prstClr val="black">
-                <a:alpha val="20000"/>
-              </a:prstClr>
-            </a:outerShdw>
-          </a:effectLst>
+          <a:effectLst/>
           <a:scene3d>
             <a:camera prst="orthographicFront"/>
             <a:lightRig rig="threePt" dir="t">
@@ -12634,13 +12507,7 @@
               </a:schemeClr>
             </a:solidFill>
           </a:ln>
-          <a:effectLst>
-            <a:outerShdw blurRad="254000" dist="127000" dir="8100000" algn="tr" rotWithShape="0">
-              <a:prstClr val="black">
-                <a:alpha val="20000"/>
-              </a:prstClr>
-            </a:outerShdw>
-          </a:effectLst>
+          <a:effectLst/>
           <a:scene3d>
             <a:camera prst="orthographicFront"/>
             <a:lightRig rig="threePt" dir="t">
@@ -12703,10 +12570,73 @@
               </a:schemeClr>
             </a:solidFill>
           </a:ln>
+          <a:effectLst/>
+          <a:scene3d>
+            <a:camera prst="orthographicFront"/>
+            <a:lightRig rig="threePt" dir="t">
+              <a:rot lat="0" lon="0" rev="11400000"/>
+            </a:lightRig>
+          </a:scene3d>
+          <a:sp3d>
+            <a:bevelT w="127000" h="127000"/>
+          </a:sp3d>
+        </p:spPr>
+        <p:style>
+          <a:lnRef idx="2">
+            <a:schemeClr val="accent1">
+              <a:shade val="50000"/>
+            </a:schemeClr>
+          </a:lnRef>
+          <a:fillRef idx="1">
+            <a:schemeClr val="accent1"/>
+          </a:fillRef>
+          <a:effectRef idx="0">
+            <a:schemeClr val="accent1"/>
+          </a:effectRef>
+          <a:fontRef idx="minor">
+            <a:schemeClr val="lt1"/>
+          </a:fontRef>
+        </p:style>
+        <p:txBody>
+          <a:bodyPr rtlCol="0" anchor="ctr"/>
+          <a:lstStyle/>
+          <a:p>
+            <a:pPr algn="ctr"/>
+            <a:endParaRPr kumimoji="1" lang="ja-JP" altLang="en-US"/>
+          </a:p>
+        </p:txBody>
+      </p:sp>
+      <p:sp>
+        <p:nvSpPr>
+          <p:cNvPr id="26" name="正方形/長方形 25"/>
+          <p:cNvSpPr/>
+          <p:nvPr/>
+        </p:nvSpPr>
+        <p:spPr>
+          <a:xfrm rot="16380000">
+            <a:off x="4110661" y="2983046"/>
+            <a:ext cx="1016631" cy="551767"/>
+          </a:xfrm>
+          <a:prstGeom prst="rect">
+            <a:avLst/>
+          </a:prstGeom>
+          <a:solidFill>
+            <a:schemeClr val="bg2">
+              <a:lumMod val="50000"/>
+            </a:schemeClr>
+          </a:solidFill>
+          <a:ln w="19050">
+            <a:solidFill>
+              <a:schemeClr val="tx1">
+                <a:lumMod val="75000"/>
+                <a:lumOff val="25000"/>
+              </a:schemeClr>
+            </a:solidFill>
+          </a:ln>
           <a:effectLst>
-            <a:outerShdw blurRad="190500" dist="127000" dir="8100000" algn="tr" rotWithShape="0">
+            <a:outerShdw blurRad="88900" dist="38100" dir="5400000" sx="113000" sy="113000" algn="t" rotWithShape="0">
               <a:prstClr val="black">
-                <a:alpha val="50000"/>
+                <a:alpha val="30000"/>
               </a:prstClr>
             </a:outerShdw>
           </a:effectLst>
@@ -12747,13 +12677,13 @@
       </p:sp>
       <p:sp>
         <p:nvSpPr>
-          <p:cNvPr id="26" name="正方形/長方形 25"/>
-          <p:cNvSpPr/>
-          <p:nvPr/>
-        </p:nvSpPr>
-        <p:spPr>
-          <a:xfrm rot="16380000">
-            <a:off x="4110661" y="2983046"/>
+          <p:cNvPr id="27" name="正方形/長方形 26"/>
+          <p:cNvSpPr/>
+          <p:nvPr/>
+        </p:nvSpPr>
+        <p:spPr>
+          <a:xfrm rot="16320000">
+            <a:off x="4622735" y="2997794"/>
             <a:ext cx="1016631" cy="551767"/>
           </a:xfrm>
           <a:prstGeom prst="rect">
@@ -12773,9 +12703,9 @@
             </a:solidFill>
           </a:ln>
           <a:effectLst>
-            <a:outerShdw blurRad="190500" dist="127000" dir="8100000" algn="tr" rotWithShape="0">
+            <a:outerShdw blurRad="88900" dist="38100" dir="5400000" sx="113000" sy="113000" algn="t" rotWithShape="0">
               <a:prstClr val="black">
-                <a:alpha val="50000"/>
+                <a:alpha val="30000"/>
               </a:prstClr>
             </a:outerShdw>
           </a:effectLst>
@@ -12816,13 +12746,13 @@
       </p:sp>
       <p:sp>
         <p:nvSpPr>
-          <p:cNvPr id="27" name="正方形/長方形 26"/>
-          <p:cNvSpPr/>
-          <p:nvPr/>
-        </p:nvSpPr>
-        <p:spPr>
-          <a:xfrm rot="16320000">
-            <a:off x="4622735" y="2997794"/>
+          <p:cNvPr id="28" name="正方形/長方形 27"/>
+          <p:cNvSpPr/>
+          <p:nvPr/>
+        </p:nvSpPr>
+        <p:spPr>
+          <a:xfrm rot="16200000">
+            <a:off x="5646883" y="3012542"/>
             <a:ext cx="1016631" cy="551767"/>
           </a:xfrm>
           <a:prstGeom prst="rect">
@@ -12842,9 +12772,9 @@
             </a:solidFill>
           </a:ln>
           <a:effectLst>
-            <a:outerShdw blurRad="190500" dist="127000" dir="8100000" algn="tr" rotWithShape="0">
+            <a:outerShdw blurRad="88900" dist="38100" dir="5400000" sx="113000" sy="113000" algn="t" rotWithShape="0">
               <a:prstClr val="black">
-                <a:alpha val="50000"/>
+                <a:alpha val="30000"/>
               </a:prstClr>
             </a:outerShdw>
           </a:effectLst>
@@ -12885,13 +12815,13 @@
       </p:sp>
       <p:sp>
         <p:nvSpPr>
-          <p:cNvPr id="28" name="正方形/長方形 27"/>
-          <p:cNvSpPr/>
-          <p:nvPr/>
-        </p:nvSpPr>
-        <p:spPr>
-          <a:xfrm rot="16200000">
-            <a:off x="5646883" y="3012542"/>
+          <p:cNvPr id="29" name="正方形/長方形 28"/>
+          <p:cNvSpPr/>
+          <p:nvPr/>
+        </p:nvSpPr>
+        <p:spPr>
+          <a:xfrm rot="16020000">
+            <a:off x="7183105" y="2983046"/>
             <a:ext cx="1016631" cy="551767"/>
           </a:xfrm>
           <a:prstGeom prst="rect">
@@ -12911,9 +12841,9 @@
             </a:solidFill>
           </a:ln>
           <a:effectLst>
-            <a:outerShdw blurRad="190500" dist="127000" dir="8100000" algn="tr" rotWithShape="0">
+            <a:outerShdw blurRad="88900" dist="38100" dir="5400000" sx="113000" sy="113000" algn="t" rotWithShape="0">
               <a:prstClr val="black">
-                <a:alpha val="50000"/>
+                <a:alpha val="30000"/>
               </a:prstClr>
             </a:outerShdw>
           </a:effectLst>
@@ -12954,13 +12884,13 @@
       </p:sp>
       <p:sp>
         <p:nvSpPr>
-          <p:cNvPr id="29" name="正方形/長方形 28"/>
-          <p:cNvSpPr/>
-          <p:nvPr/>
-        </p:nvSpPr>
-        <p:spPr>
-          <a:xfrm rot="16020000">
-            <a:off x="7183105" y="2983046"/>
+          <p:cNvPr id="30" name="正方形/長方形 29"/>
+          <p:cNvSpPr/>
+          <p:nvPr/>
+        </p:nvSpPr>
+        <p:spPr>
+          <a:xfrm rot="16260000">
+            <a:off x="5134809" y="2983046"/>
             <a:ext cx="1016631" cy="551767"/>
           </a:xfrm>
           <a:prstGeom prst="rect">
@@ -12980,9 +12910,9 @@
             </a:solidFill>
           </a:ln>
           <a:effectLst>
-            <a:outerShdw blurRad="190500" dist="127000" dir="8100000" algn="tr" rotWithShape="0">
+            <a:outerShdw blurRad="88900" dist="38100" dir="5400000" sx="113000" sy="113000" algn="t" rotWithShape="0">
               <a:prstClr val="black">
-                <a:alpha val="50000"/>
+                <a:alpha val="30000"/>
               </a:prstClr>
             </a:outerShdw>
           </a:effectLst>
@@ -13023,13 +12953,13 @@
       </p:sp>
       <p:sp>
         <p:nvSpPr>
-          <p:cNvPr id="30" name="正方形/長方形 29"/>
-          <p:cNvSpPr/>
-          <p:nvPr/>
-        </p:nvSpPr>
-        <p:spPr>
-          <a:xfrm rot="16260000">
-            <a:off x="5134809" y="2983046"/>
+          <p:cNvPr id="31" name="正方形/長方形 30"/>
+          <p:cNvSpPr/>
+          <p:nvPr/>
+        </p:nvSpPr>
+        <p:spPr>
+          <a:xfrm rot="16140000">
+            <a:off x="6158957" y="2983046"/>
             <a:ext cx="1016631" cy="551767"/>
           </a:xfrm>
           <a:prstGeom prst="rect">
@@ -13049,9 +12979,9 @@
             </a:solidFill>
           </a:ln>
           <a:effectLst>
-            <a:outerShdw blurRad="190500" dist="127000" dir="8100000" algn="tr" rotWithShape="0">
+            <a:outerShdw blurRad="88900" dist="38100" dir="5400000" sx="113000" sy="113000" algn="t" rotWithShape="0">
               <a:prstClr val="black">
-                <a:alpha val="50000"/>
+                <a:alpha val="30000"/>
               </a:prstClr>
             </a:outerShdw>
           </a:effectLst>
@@ -13092,13 +13022,13 @@
       </p:sp>
       <p:sp>
         <p:nvSpPr>
-          <p:cNvPr id="31" name="正方形/長方形 30"/>
-          <p:cNvSpPr/>
-          <p:nvPr/>
-        </p:nvSpPr>
-        <p:spPr>
-          <a:xfrm rot="16140000">
-            <a:off x="6158957" y="2983046"/>
+          <p:cNvPr id="32" name="正方形/長方形 31"/>
+          <p:cNvSpPr/>
+          <p:nvPr/>
+        </p:nvSpPr>
+        <p:spPr>
+          <a:xfrm rot="16080000">
+            <a:off x="6671031" y="2997794"/>
             <a:ext cx="1016631" cy="551767"/>
           </a:xfrm>
           <a:prstGeom prst="rect">
@@ -13118,9 +13048,9 @@
             </a:solidFill>
           </a:ln>
           <a:effectLst>
-            <a:outerShdw blurRad="190500" dist="127000" dir="8100000" algn="tr" rotWithShape="0">
+            <a:outerShdw blurRad="88900" dist="38100" dir="5400000" sx="113000" sy="113000" algn="t" rotWithShape="0">
               <a:prstClr val="black">
-                <a:alpha val="50000"/>
+                <a:alpha val="30000"/>
               </a:prstClr>
             </a:outerShdw>
           </a:effectLst>
@@ -13161,13 +13091,13 @@
       </p:sp>
       <p:sp>
         <p:nvSpPr>
-          <p:cNvPr id="32" name="正方形/長方形 31"/>
-          <p:cNvSpPr/>
-          <p:nvPr/>
-        </p:nvSpPr>
-        <p:spPr>
-          <a:xfrm rot="16080000">
-            <a:off x="6671031" y="2997794"/>
+          <p:cNvPr id="33" name="正方形/長方形 32"/>
+          <p:cNvSpPr/>
+          <p:nvPr/>
+        </p:nvSpPr>
+        <p:spPr>
+          <a:xfrm rot="15960000">
+            <a:off x="7695182" y="2983046"/>
             <a:ext cx="1016631" cy="551767"/>
           </a:xfrm>
           <a:prstGeom prst="rect">
@@ -13186,13 +13116,7 @@
               </a:schemeClr>
             </a:solidFill>
           </a:ln>
-          <a:effectLst>
-            <a:outerShdw blurRad="190500" dist="127000" dir="8100000" algn="tr" rotWithShape="0">
-              <a:prstClr val="black">
-                <a:alpha val="50000"/>
-              </a:prstClr>
-            </a:outerShdw>
-          </a:effectLst>
+          <a:effectLst/>
           <a:scene3d>
             <a:camera prst="orthographicFront"/>
             <a:lightRig rig="threePt" dir="t">
@@ -13230,75 +13154,6 @@
       </p:sp>
       <p:sp>
         <p:nvSpPr>
-          <p:cNvPr id="33" name="正方形/長方形 32"/>
-          <p:cNvSpPr/>
-          <p:nvPr/>
-        </p:nvSpPr>
-        <p:spPr>
-          <a:xfrm rot="15960000">
-            <a:off x="7695182" y="2983046"/>
-            <a:ext cx="1016631" cy="551767"/>
-          </a:xfrm>
-          <a:prstGeom prst="rect">
-            <a:avLst/>
-          </a:prstGeom>
-          <a:solidFill>
-            <a:schemeClr val="bg2">
-              <a:lumMod val="50000"/>
-            </a:schemeClr>
-          </a:solidFill>
-          <a:ln w="19050">
-            <a:solidFill>
-              <a:schemeClr val="tx1">
-                <a:lumMod val="75000"/>
-                <a:lumOff val="25000"/>
-              </a:schemeClr>
-            </a:solidFill>
-          </a:ln>
-          <a:effectLst>
-            <a:outerShdw blurRad="190500" dist="127000" dir="8100000" algn="tr" rotWithShape="0">
-              <a:prstClr val="black">
-                <a:alpha val="50000"/>
-              </a:prstClr>
-            </a:outerShdw>
-          </a:effectLst>
-          <a:scene3d>
-            <a:camera prst="orthographicFront"/>
-            <a:lightRig rig="threePt" dir="t">
-              <a:rot lat="0" lon="0" rev="11400000"/>
-            </a:lightRig>
-          </a:scene3d>
-          <a:sp3d>
-            <a:bevelT w="127000" h="127000"/>
-          </a:sp3d>
-        </p:spPr>
-        <p:style>
-          <a:lnRef idx="2">
-            <a:schemeClr val="accent1">
-              <a:shade val="50000"/>
-            </a:schemeClr>
-          </a:lnRef>
-          <a:fillRef idx="1">
-            <a:schemeClr val="accent1"/>
-          </a:fillRef>
-          <a:effectRef idx="0">
-            <a:schemeClr val="accent1"/>
-          </a:effectRef>
-          <a:fontRef idx="minor">
-            <a:schemeClr val="lt1"/>
-          </a:fontRef>
-        </p:style>
-        <p:txBody>
-          <a:bodyPr rtlCol="0" anchor="ctr"/>
-          <a:lstStyle/>
-          <a:p>
-            <a:pPr algn="ctr"/>
-            <a:endParaRPr kumimoji="1" lang="ja-JP" altLang="en-US"/>
-          </a:p>
-        </p:txBody>
-      </p:sp>
-      <p:sp>
-        <p:nvSpPr>
           <p:cNvPr id="78" name="正方形/長方形 77"/>
           <p:cNvSpPr/>
           <p:nvPr/>
@@ -13319,9 +13174,7 @@
               <a:schemeClr val="tx1"/>
             </a:solidFill>
           </a:ln>
-          <a:effectLst>
-            <a:reflection blurRad="127000" stA="80000" endPos="50000" dir="5400000" sy="-100000" algn="bl" rotWithShape="0"/>
-          </a:effectLst>
+          <a:effectLst/>
           <a:scene3d>
             <a:camera prst="orthographicFront"/>
             <a:lightRig rig="threePt" dir="t">
@@ -13442,6 +13295,7 @@
               <a:schemeClr val="tx1"/>
             </a:solidFill>
           </a:ln>
+          <a:effectLst/>
           <a:scene3d>
             <a:camera prst="orthographicFront"/>
             <a:lightRig rig="threePt" dir="t"/>
@@ -13500,6 +13354,7 @@
               <a:schemeClr val="tx1"/>
             </a:solidFill>
           </a:ln>
+          <a:effectLst/>
           <a:scene3d>
             <a:camera prst="orthographicFront"/>
             <a:lightRig rig="threePt" dir="t"/>
@@ -13764,13 +13619,7 @@
               </a:schemeClr>
             </a:solidFill>
           </a:ln>
-          <a:effectLst>
-            <a:outerShdw blurRad="254000" dist="127000" dir="8100000" algn="tr" rotWithShape="0">
-              <a:prstClr val="black">
-                <a:alpha val="20000"/>
-              </a:prstClr>
-            </a:outerShdw>
-          </a:effectLst>
+          <a:effectLst/>
           <a:scene3d>
             <a:camera prst="orthographicFront"/>
             <a:lightRig rig="threePt" dir="t">
@@ -13833,13 +13682,7 @@
               </a:schemeClr>
             </a:solidFill>
           </a:ln>
-          <a:effectLst>
-            <a:outerShdw blurRad="254000" dist="127000" dir="8100000" algn="tr" rotWithShape="0">
-              <a:prstClr val="black">
-                <a:alpha val="20000"/>
-              </a:prstClr>
-            </a:outerShdw>
-          </a:effectLst>
+          <a:effectLst/>
           <a:scene3d>
             <a:camera prst="orthographicFront"/>
             <a:lightRig rig="threePt" dir="t">
@@ -13902,13 +13745,7 @@
               </a:schemeClr>
             </a:solidFill>
           </a:ln>
-          <a:effectLst>
-            <a:outerShdw blurRad="254000" dist="127000" dir="8100000" algn="tr" rotWithShape="0">
-              <a:prstClr val="black">
-                <a:alpha val="20000"/>
-              </a:prstClr>
-            </a:outerShdw>
-          </a:effectLst>
+          <a:effectLst/>
           <a:scene3d>
             <a:camera prst="orthographicFront"/>
             <a:lightRig rig="threePt" dir="t">
@@ -13971,13 +13808,7 @@
               </a:schemeClr>
             </a:solidFill>
           </a:ln>
-          <a:effectLst>
-            <a:outerShdw blurRad="254000" dist="127000" dir="8100000" algn="tr" rotWithShape="0">
-              <a:prstClr val="black">
-                <a:alpha val="20000"/>
-              </a:prstClr>
-            </a:outerShdw>
-          </a:effectLst>
+          <a:effectLst/>
           <a:scene3d>
             <a:camera prst="orthographicFront"/>
             <a:lightRig rig="threePt" dir="t">
@@ -14040,13 +13871,7 @@
               </a:schemeClr>
             </a:solidFill>
           </a:ln>
-          <a:effectLst>
-            <a:outerShdw blurRad="254000" dist="127000" dir="8100000" algn="tr" rotWithShape="0">
-              <a:prstClr val="black">
-                <a:alpha val="20000"/>
-              </a:prstClr>
-            </a:outerShdw>
-          </a:effectLst>
+          <a:effectLst/>
           <a:scene3d>
             <a:camera prst="orthographicFront"/>
             <a:lightRig rig="threePt" dir="t">
@@ -14109,13 +13934,7 @@
               </a:schemeClr>
             </a:solidFill>
           </a:ln>
-          <a:effectLst>
-            <a:outerShdw blurRad="254000" dist="127000" dir="8100000" algn="tr" rotWithShape="0">
-              <a:prstClr val="black">
-                <a:alpha val="20000"/>
-              </a:prstClr>
-            </a:outerShdw>
-          </a:effectLst>
+          <a:effectLst/>
           <a:scene3d>
             <a:camera prst="orthographicFront"/>
             <a:lightRig rig="threePt" dir="t">
@@ -14178,13 +13997,7 @@
               </a:schemeClr>
             </a:solidFill>
           </a:ln>
-          <a:effectLst>
-            <a:outerShdw blurRad="254000" dist="127000" dir="8100000" algn="tr" rotWithShape="0">
-              <a:prstClr val="black">
-                <a:alpha val="20000"/>
-              </a:prstClr>
-            </a:outerShdw>
-          </a:effectLst>
+          <a:effectLst/>
           <a:scene3d>
             <a:camera prst="orthographicFront"/>
             <a:lightRig rig="threePt" dir="t">
@@ -14247,13 +14060,7 @@
               </a:schemeClr>
             </a:solidFill>
           </a:ln>
-          <a:effectLst>
-            <a:outerShdw blurRad="254000" dist="127000" dir="8100000" algn="tr" rotWithShape="0">
-              <a:prstClr val="black">
-                <a:alpha val="20000"/>
-              </a:prstClr>
-            </a:outerShdw>
-          </a:effectLst>
+          <a:effectLst/>
           <a:scene3d>
             <a:camera prst="orthographicFront"/>
             <a:lightRig rig="threePt" dir="t">
@@ -14316,13 +14123,7 @@
               </a:schemeClr>
             </a:solidFill>
           </a:ln>
-          <a:effectLst>
-            <a:outerShdw blurRad="254000" dist="127000" dir="8100000" algn="tr" rotWithShape="0">
-              <a:prstClr val="black">
-                <a:alpha val="20000"/>
-              </a:prstClr>
-            </a:outerShdw>
-          </a:effectLst>
+          <a:effectLst/>
           <a:scene3d>
             <a:camera prst="orthographicFront"/>
             <a:lightRig rig="threePt" dir="t">
@@ -14386,9 +14187,9 @@
             </a:solidFill>
           </a:ln>
           <a:effectLst>
-            <a:outerShdw blurRad="127000" dist="127000" dir="8100000" algn="tr" rotWithShape="0">
+            <a:outerShdw blurRad="88900" dist="38100" dir="5400000" sx="113000" sy="113000" algn="t" rotWithShape="0">
               <a:prstClr val="black">
-                <a:alpha val="50000"/>
+                <a:alpha val="30000"/>
               </a:prstClr>
             </a:outerShdw>
           </a:effectLst>
@@ -14454,10 +14255,73 @@
               </a:schemeClr>
             </a:solidFill>
           </a:ln>
+          <a:effectLst/>
+          <a:scene3d>
+            <a:camera prst="orthographicFront"/>
+            <a:lightRig rig="threePt" dir="t">
+              <a:rot lat="0" lon="0" rev="12000000"/>
+            </a:lightRig>
+          </a:scene3d>
+          <a:sp3d>
+            <a:bevelT w="127000" h="127000"/>
+          </a:sp3d>
+        </p:spPr>
+        <p:style>
+          <a:lnRef idx="2">
+            <a:schemeClr val="accent1">
+              <a:shade val="50000"/>
+            </a:schemeClr>
+          </a:lnRef>
+          <a:fillRef idx="1">
+            <a:schemeClr val="accent1"/>
+          </a:fillRef>
+          <a:effectRef idx="0">
+            <a:schemeClr val="accent1"/>
+          </a:effectRef>
+          <a:fontRef idx="minor">
+            <a:schemeClr val="lt1"/>
+          </a:fontRef>
+        </p:style>
+        <p:txBody>
+          <a:bodyPr rtlCol="0" anchor="ctr"/>
+          <a:lstStyle/>
+          <a:p>
+            <a:pPr algn="ctr"/>
+            <a:endParaRPr kumimoji="1" lang="ja-JP" altLang="en-US"/>
+          </a:p>
+        </p:txBody>
+      </p:sp>
+      <p:sp>
+        <p:nvSpPr>
+          <p:cNvPr id="39" name="正方形/長方形 38"/>
+          <p:cNvSpPr/>
+          <p:nvPr/>
+        </p:nvSpPr>
+        <p:spPr>
+          <a:xfrm rot="16080000">
+            <a:off x="6428705" y="1787335"/>
+            <a:ext cx="654691" cy="304263"/>
+          </a:xfrm>
+          <a:prstGeom prst="rect">
+            <a:avLst/>
+          </a:prstGeom>
+          <a:solidFill>
+            <a:schemeClr val="bg2">
+              <a:lumMod val="50000"/>
+            </a:schemeClr>
+          </a:solidFill>
+          <a:ln w="19050">
+            <a:solidFill>
+              <a:schemeClr val="tx1">
+                <a:lumMod val="75000"/>
+                <a:lumOff val="25000"/>
+              </a:schemeClr>
+            </a:solidFill>
+          </a:ln>
           <a:effectLst>
-            <a:outerShdw blurRad="127000" dist="127000" dir="8100000" algn="tr" rotWithShape="0">
+            <a:outerShdw blurRad="88900" dist="38100" dir="5400000" sx="113000" sy="113000" algn="t" rotWithShape="0">
               <a:prstClr val="black">
-                <a:alpha val="50000"/>
+                <a:alpha val="30000"/>
               </a:prstClr>
             </a:outerShdw>
           </a:effectLst>
@@ -14498,13 +14362,13 @@
       </p:sp>
       <p:sp>
         <p:nvSpPr>
-          <p:cNvPr id="39" name="正方形/長方形 38"/>
-          <p:cNvSpPr/>
-          <p:nvPr/>
-        </p:nvSpPr>
-        <p:spPr>
-          <a:xfrm rot="16080000">
-            <a:off x="6428705" y="1787335"/>
+          <p:cNvPr id="40" name="正方形/長方形 39"/>
+          <p:cNvSpPr/>
+          <p:nvPr/>
+        </p:nvSpPr>
+        <p:spPr>
+          <a:xfrm rot="16380000">
+            <a:off x="4916105" y="1772588"/>
             <a:ext cx="654691" cy="304263"/>
           </a:xfrm>
           <a:prstGeom prst="rect">
@@ -14524,9 +14388,9 @@
             </a:solidFill>
           </a:ln>
           <a:effectLst>
-            <a:outerShdw blurRad="127000" dist="127000" dir="8100000" algn="tr" rotWithShape="0">
+            <a:outerShdw blurRad="88900" dist="38100" dir="5400000" sx="113000" sy="113000" algn="t" rotWithShape="0">
               <a:prstClr val="black">
-                <a:alpha val="50000"/>
+                <a:alpha val="30000"/>
               </a:prstClr>
             </a:outerShdw>
           </a:effectLst>
@@ -14567,13 +14431,13 @@
       </p:sp>
       <p:sp>
         <p:nvSpPr>
-          <p:cNvPr id="40" name="正方形/長方形 39"/>
-          <p:cNvSpPr/>
-          <p:nvPr/>
-        </p:nvSpPr>
-        <p:spPr>
-          <a:xfrm rot="16380000">
-            <a:off x="4916105" y="1772588"/>
+          <p:cNvPr id="41" name="正方形/長方形 40"/>
+          <p:cNvSpPr/>
+          <p:nvPr/>
+        </p:nvSpPr>
+        <p:spPr>
+          <a:xfrm rot="16320000">
+            <a:off x="5218625" y="1787335"/>
             <a:ext cx="654691" cy="304263"/>
           </a:xfrm>
           <a:prstGeom prst="rect">
@@ -14593,9 +14457,9 @@
             </a:solidFill>
           </a:ln>
           <a:effectLst>
-            <a:outerShdw blurRad="127000" dist="127000" dir="8100000" algn="tr" rotWithShape="0">
+            <a:outerShdw blurRad="88900" dist="38100" dir="5400000" sx="113000" sy="113000" algn="t" rotWithShape="0">
               <a:prstClr val="black">
-                <a:alpha val="50000"/>
+                <a:alpha val="30000"/>
               </a:prstClr>
             </a:outerShdw>
           </a:effectLst>
@@ -14636,13 +14500,13 @@
       </p:sp>
       <p:sp>
         <p:nvSpPr>
-          <p:cNvPr id="41" name="正方形/長方形 40"/>
-          <p:cNvSpPr/>
-          <p:nvPr/>
-        </p:nvSpPr>
-        <p:spPr>
-          <a:xfrm rot="16320000">
-            <a:off x="5218625" y="1787335"/>
+          <p:cNvPr id="42" name="正方形/長方形 41"/>
+          <p:cNvSpPr/>
+          <p:nvPr/>
+        </p:nvSpPr>
+        <p:spPr>
+          <a:xfrm rot="16260000">
+            <a:off x="5521145" y="1772587"/>
             <a:ext cx="654691" cy="304263"/>
           </a:xfrm>
           <a:prstGeom prst="rect">
@@ -14662,9 +14526,9 @@
             </a:solidFill>
           </a:ln>
           <a:effectLst>
-            <a:outerShdw blurRad="127000" dist="127000" dir="8100000" algn="tr" rotWithShape="0">
+            <a:outerShdw blurRad="88900" dist="38100" dir="5400000" sx="113000" sy="113000" algn="t" rotWithShape="0">
               <a:prstClr val="black">
-                <a:alpha val="50000"/>
+                <a:alpha val="30000"/>
               </a:prstClr>
             </a:outerShdw>
           </a:effectLst>
@@ -14705,13 +14569,13 @@
       </p:sp>
       <p:sp>
         <p:nvSpPr>
-          <p:cNvPr id="42" name="正方形/長方形 41"/>
-          <p:cNvSpPr/>
-          <p:nvPr/>
-        </p:nvSpPr>
-        <p:spPr>
-          <a:xfrm rot="16260000">
-            <a:off x="5521145" y="1772587"/>
+          <p:cNvPr id="43" name="正方形/長方形 42"/>
+          <p:cNvSpPr/>
+          <p:nvPr/>
+        </p:nvSpPr>
+        <p:spPr>
+          <a:xfrm rot="16020000">
+            <a:off x="6731225" y="1772587"/>
             <a:ext cx="654691" cy="304263"/>
           </a:xfrm>
           <a:prstGeom prst="rect">
@@ -14731,9 +14595,9 @@
             </a:solidFill>
           </a:ln>
           <a:effectLst>
-            <a:outerShdw blurRad="127000" dist="127000" dir="8100000" algn="tr" rotWithShape="0">
+            <a:outerShdw blurRad="88900" dist="38100" dir="5400000" sx="113000" sy="113000" algn="t" rotWithShape="0">
               <a:prstClr val="black">
-                <a:alpha val="50000"/>
+                <a:alpha val="30000"/>
               </a:prstClr>
             </a:outerShdw>
           </a:effectLst>
@@ -14774,13 +14638,13 @@
       </p:sp>
       <p:sp>
         <p:nvSpPr>
-          <p:cNvPr id="43" name="正方形/長方形 42"/>
-          <p:cNvSpPr/>
-          <p:nvPr/>
-        </p:nvSpPr>
-        <p:spPr>
-          <a:xfrm rot="16020000">
-            <a:off x="6731225" y="1772587"/>
+          <p:cNvPr id="44" name="正方形/長方形 43"/>
+          <p:cNvSpPr/>
+          <p:nvPr/>
+        </p:nvSpPr>
+        <p:spPr>
+          <a:xfrm rot="16200000">
+            <a:off x="5823665" y="1789383"/>
             <a:ext cx="654691" cy="304263"/>
           </a:xfrm>
           <a:prstGeom prst="rect">
@@ -14800,9 +14664,9 @@
             </a:solidFill>
           </a:ln>
           <a:effectLst>
-            <a:outerShdw blurRad="127000" dist="127000" dir="8100000" algn="tr" rotWithShape="0">
+            <a:outerShdw blurRad="88900" dist="38100" dir="5400000" sx="113000" sy="113000" algn="t" rotWithShape="0">
               <a:prstClr val="black">
-                <a:alpha val="50000"/>
+                <a:alpha val="30000"/>
               </a:prstClr>
             </a:outerShdw>
           </a:effectLst>
@@ -14843,13 +14707,13 @@
       </p:sp>
       <p:sp>
         <p:nvSpPr>
-          <p:cNvPr id="44" name="正方形/長方形 43"/>
-          <p:cNvSpPr/>
-          <p:nvPr/>
-        </p:nvSpPr>
-        <p:spPr>
-          <a:xfrm rot="16200000">
-            <a:off x="5823665" y="1789383"/>
+          <p:cNvPr id="45" name="正方形/長方形 44"/>
+          <p:cNvSpPr/>
+          <p:nvPr/>
+        </p:nvSpPr>
+        <p:spPr>
+          <a:xfrm rot="15960000">
+            <a:off x="7033747" y="1772587"/>
             <a:ext cx="654691" cy="304263"/>
           </a:xfrm>
           <a:prstGeom prst="rect">
@@ -14868,13 +14732,7 @@
               </a:schemeClr>
             </a:solidFill>
           </a:ln>
-          <a:effectLst>
-            <a:outerShdw blurRad="127000" dist="127000" dir="8100000" algn="tr" rotWithShape="0">
-              <a:prstClr val="black">
-                <a:alpha val="50000"/>
-              </a:prstClr>
-            </a:outerShdw>
-          </a:effectLst>
+          <a:effectLst/>
           <a:scene3d>
             <a:camera prst="orthographicFront"/>
             <a:lightRig rig="threePt" dir="t">
@@ -14912,75 +14770,6 @@
       </p:sp>
       <p:sp>
         <p:nvSpPr>
-          <p:cNvPr id="45" name="正方形/長方形 44"/>
-          <p:cNvSpPr/>
-          <p:nvPr/>
-        </p:nvSpPr>
-        <p:spPr>
-          <a:xfrm rot="15960000">
-            <a:off x="7033747" y="1772587"/>
-            <a:ext cx="654691" cy="304263"/>
-          </a:xfrm>
-          <a:prstGeom prst="rect">
-            <a:avLst/>
-          </a:prstGeom>
-          <a:solidFill>
-            <a:schemeClr val="bg2">
-              <a:lumMod val="50000"/>
-            </a:schemeClr>
-          </a:solidFill>
-          <a:ln w="19050">
-            <a:solidFill>
-              <a:schemeClr val="tx1">
-                <a:lumMod val="75000"/>
-                <a:lumOff val="25000"/>
-              </a:schemeClr>
-            </a:solidFill>
-          </a:ln>
-          <a:effectLst>
-            <a:outerShdw blurRad="127000" dist="127000" dir="8100000" algn="tr" rotWithShape="0">
-              <a:prstClr val="black">
-                <a:alpha val="50000"/>
-              </a:prstClr>
-            </a:outerShdw>
-          </a:effectLst>
-          <a:scene3d>
-            <a:camera prst="orthographicFront"/>
-            <a:lightRig rig="threePt" dir="t">
-              <a:rot lat="0" lon="0" rev="12000000"/>
-            </a:lightRig>
-          </a:scene3d>
-          <a:sp3d>
-            <a:bevelT w="127000" h="127000"/>
-          </a:sp3d>
-        </p:spPr>
-        <p:style>
-          <a:lnRef idx="2">
-            <a:schemeClr val="accent1">
-              <a:shade val="50000"/>
-            </a:schemeClr>
-          </a:lnRef>
-          <a:fillRef idx="1">
-            <a:schemeClr val="accent1"/>
-          </a:fillRef>
-          <a:effectRef idx="0">
-            <a:schemeClr val="accent1"/>
-          </a:effectRef>
-          <a:fontRef idx="minor">
-            <a:schemeClr val="lt1"/>
-          </a:fontRef>
-        </p:style>
-        <p:txBody>
-          <a:bodyPr rtlCol="0" anchor="ctr"/>
-          <a:lstStyle/>
-          <a:p>
-            <a:pPr algn="ctr"/>
-            <a:endParaRPr kumimoji="1" lang="ja-JP" altLang="en-US"/>
-          </a:p>
-        </p:txBody>
-      </p:sp>
-      <p:sp>
-        <p:nvSpPr>
           <p:cNvPr id="82" name="正方形/長方形 81"/>
           <p:cNvSpPr/>
           <p:nvPr/>
@@ -15001,9 +14790,7 @@
               <a:schemeClr val="tx1"/>
             </a:solidFill>
           </a:ln>
-          <a:effectLst>
-            <a:reflection blurRad="127000" stA="80000" endPos="50000" dir="5400000" sy="-100000" algn="bl" rotWithShape="0"/>
-          </a:effectLst>
+          <a:effectLst/>
           <a:scene3d>
             <a:camera prst="orthographicFront"/>
             <a:lightRig rig="threePt" dir="t">
@@ -15064,6 +14851,7 @@
               <a:schemeClr val="tx1"/>
             </a:solidFill>
           </a:ln>
+          <a:effectLst/>
           <a:scene3d>
             <a:camera prst="orthographicFront"/>
             <a:lightRig rig="threePt" dir="t"/>
@@ -15122,6 +14910,7 @@
               <a:schemeClr val="tx1"/>
             </a:solidFill>
           </a:ln>
+          <a:effectLst/>
           <a:scene3d>
             <a:camera prst="orthographicFront"/>
             <a:lightRig rig="threePt" dir="t"/>
